--- a/0 발표용 파워포인트/0313 2차발표/0313 project04 - 파워포인트 - 용승.pptx
+++ b/0 발표용 파워포인트/0313 2차발표/0313 project04 - 파워포인트 - 용승.pptx
@@ -5,10 +5,17 @@
     <p:sldMasterId id="2147483648" r:id="rId1"/>
   </p:sldMasterIdLst>
   <p:notesMasterIdLst>
-    <p:notesMasterId r:id="rId3"/>
+    <p:notesMasterId r:id="rId10"/>
   </p:notesMasterIdLst>
   <p:sldIdLst>
     <p:sldId id="256" r:id="rId2"/>
+    <p:sldId id="258" r:id="rId3"/>
+    <p:sldId id="257" r:id="rId4"/>
+    <p:sldId id="259" r:id="rId5"/>
+    <p:sldId id="260" r:id="rId6"/>
+    <p:sldId id="261" r:id="rId7"/>
+    <p:sldId id="262" r:id="rId8"/>
+    <p:sldId id="263" r:id="rId9"/>
   </p:sldIdLst>
   <p:sldSz cx="12192000" cy="6858000"/>
   <p:notesSz cx="6858000" cy="9144000"/>
@@ -109,7 +116,7 @@
   </p:defaultTextStyle>
   <p:extLst>
     <p:ext uri="{EFAFB233-063F-42B5-8137-9DF3F51BA10A}">
-      <p15:sldGuideLst xmlns:p15="http://schemas.microsoft.com/office/powerpoint/2012/main" xmlns="">
+      <p15:sldGuideLst xmlns:p15="http://schemas.microsoft.com/office/powerpoint/2012/main">
         <p15:guide id="1" orient="horz" pos="2160">
           <p15:clr>
             <a:srgbClr val="A4A3A4"/>
@@ -208,7 +215,7 @@
           <a:p>
             <a:fld id="{EFE7F2A0-C7D9-4DBD-AE3B-C1A712DCE501}" type="datetimeFigureOut">
               <a:rPr lang="ko-KR" altLang="en-US" smtClean="0"/>
-              <a:t>2020-02-28</a:t>
+              <a:t>2020-03-12</a:t>
             </a:fld>
             <a:endParaRPr lang="ko-KR" altLang="en-US"/>
           </a:p>
@@ -607,7 +614,7 @@
           <a:p>
             <a:fld id="{272C3D53-FEDF-49EC-8F65-FFFC138B637E}" type="datetimeFigureOut">
               <a:rPr lang="ko-KR" altLang="en-US" smtClean="0"/>
-              <a:t>2020-02-28</a:t>
+              <a:t>2020-03-12</a:t>
             </a:fld>
             <a:endParaRPr lang="ko-KR" altLang="en-US"/>
           </a:p>
@@ -777,7 +784,7 @@
           <a:p>
             <a:fld id="{272C3D53-FEDF-49EC-8F65-FFFC138B637E}" type="datetimeFigureOut">
               <a:rPr lang="ko-KR" altLang="en-US" smtClean="0"/>
-              <a:t>2020-02-28</a:t>
+              <a:t>2020-03-12</a:t>
             </a:fld>
             <a:endParaRPr lang="ko-KR" altLang="en-US"/>
           </a:p>
@@ -957,7 +964,7 @@
           <a:p>
             <a:fld id="{272C3D53-FEDF-49EC-8F65-FFFC138B637E}" type="datetimeFigureOut">
               <a:rPr lang="ko-KR" altLang="en-US" smtClean="0"/>
-              <a:t>2020-02-28</a:t>
+              <a:t>2020-03-12</a:t>
             </a:fld>
             <a:endParaRPr lang="ko-KR" altLang="en-US"/>
           </a:p>
@@ -1127,7 +1134,7 @@
           <a:p>
             <a:fld id="{272C3D53-FEDF-49EC-8F65-FFFC138B637E}" type="datetimeFigureOut">
               <a:rPr lang="ko-KR" altLang="en-US" smtClean="0"/>
-              <a:t>2020-02-28</a:t>
+              <a:t>2020-03-12</a:t>
             </a:fld>
             <a:endParaRPr lang="ko-KR" altLang="en-US"/>
           </a:p>
@@ -1373,7 +1380,7 @@
           <a:p>
             <a:fld id="{272C3D53-FEDF-49EC-8F65-FFFC138B637E}" type="datetimeFigureOut">
               <a:rPr lang="ko-KR" altLang="en-US" smtClean="0"/>
-              <a:t>2020-02-28</a:t>
+              <a:t>2020-03-12</a:t>
             </a:fld>
             <a:endParaRPr lang="ko-KR" altLang="en-US"/>
           </a:p>
@@ -1605,7 +1612,7 @@
           <a:p>
             <a:fld id="{272C3D53-FEDF-49EC-8F65-FFFC138B637E}" type="datetimeFigureOut">
               <a:rPr lang="ko-KR" altLang="en-US" smtClean="0"/>
-              <a:t>2020-02-28</a:t>
+              <a:t>2020-03-12</a:t>
             </a:fld>
             <a:endParaRPr lang="ko-KR" altLang="en-US"/>
           </a:p>
@@ -1972,7 +1979,7 @@
           <a:p>
             <a:fld id="{272C3D53-FEDF-49EC-8F65-FFFC138B637E}" type="datetimeFigureOut">
               <a:rPr lang="ko-KR" altLang="en-US" smtClean="0"/>
-              <a:t>2020-02-28</a:t>
+              <a:t>2020-03-12</a:t>
             </a:fld>
             <a:endParaRPr lang="ko-KR" altLang="en-US"/>
           </a:p>
@@ -2090,7 +2097,7 @@
           <a:p>
             <a:fld id="{272C3D53-FEDF-49EC-8F65-FFFC138B637E}" type="datetimeFigureOut">
               <a:rPr lang="ko-KR" altLang="en-US" smtClean="0"/>
-              <a:t>2020-02-28</a:t>
+              <a:t>2020-03-12</a:t>
             </a:fld>
             <a:endParaRPr lang="ko-KR" altLang="en-US"/>
           </a:p>
@@ -2185,7 +2192,7 @@
           <a:p>
             <a:fld id="{272C3D53-FEDF-49EC-8F65-FFFC138B637E}" type="datetimeFigureOut">
               <a:rPr lang="ko-KR" altLang="en-US" smtClean="0"/>
-              <a:t>2020-02-28</a:t>
+              <a:t>2020-03-12</a:t>
             </a:fld>
             <a:endParaRPr lang="ko-KR" altLang="en-US"/>
           </a:p>
@@ -2462,7 +2469,7 @@
           <a:p>
             <a:fld id="{272C3D53-FEDF-49EC-8F65-FFFC138B637E}" type="datetimeFigureOut">
               <a:rPr lang="ko-KR" altLang="en-US" smtClean="0"/>
-              <a:t>2020-02-28</a:t>
+              <a:t>2020-03-12</a:t>
             </a:fld>
             <a:endParaRPr lang="ko-KR" altLang="en-US"/>
           </a:p>
@@ -2715,7 +2722,7 @@
           <a:p>
             <a:fld id="{272C3D53-FEDF-49EC-8F65-FFFC138B637E}" type="datetimeFigureOut">
               <a:rPr lang="ko-KR" altLang="en-US" smtClean="0"/>
-              <a:t>2020-02-28</a:t>
+              <a:t>2020-03-12</a:t>
             </a:fld>
             <a:endParaRPr lang="ko-KR" altLang="en-US"/>
           </a:p>
@@ -2928,7 +2935,7 @@
           <a:p>
             <a:fld id="{272C3D53-FEDF-49EC-8F65-FFFC138B637E}" type="datetimeFigureOut">
               <a:rPr lang="ko-KR" altLang="en-US" smtClean="0"/>
-              <a:t>2020-02-28</a:t>
+              <a:t>2020-03-12</a:t>
             </a:fld>
             <a:endParaRPr lang="ko-KR" altLang="en-US"/>
           </a:p>
@@ -3427,6 +3434,5416 @@
   <p:clrMapOvr>
     <a:masterClrMapping/>
   </p:clrMapOvr>
+  <p:timing>
+    <p:tnLst>
+      <p:par>
+        <p:cTn id="1" dur="indefinite" restart="never" nodeType="tmRoot"/>
+      </p:par>
+    </p:tnLst>
+  </p:timing>
+</p:sld>
+</file>
+
+<file path=ppt/slides/slide2.xml><?xml version="1.0" encoding="utf-8"?>
+<p:sld xmlns:a="http://schemas.openxmlformats.org/drawingml/2006/main" xmlns:r="http://schemas.openxmlformats.org/officeDocument/2006/relationships" xmlns:p="http://schemas.openxmlformats.org/presentationml/2006/main">
+  <p:cSld>
+    <p:spTree>
+      <p:nvGrpSpPr>
+        <p:cNvPr id="1" name=""/>
+        <p:cNvGrpSpPr/>
+        <p:nvPr/>
+      </p:nvGrpSpPr>
+      <p:grpSpPr>
+        <a:xfrm>
+          <a:off x="0" y="0"/>
+          <a:ext cx="0" cy="0"/>
+          <a:chOff x="0" y="0"/>
+          <a:chExt cx="0" cy="0"/>
+        </a:xfrm>
+      </p:grpSpPr>
+      <p:graphicFrame>
+        <p:nvGraphicFramePr>
+          <p:cNvPr id="110" name="표 6"/>
+          <p:cNvGraphicFramePr/>
+          <p:nvPr/>
+        </p:nvGraphicFramePr>
+        <p:xfrm>
+          <a:off x="9309044" y="197402"/>
+          <a:ext cx="2815494" cy="320040"/>
+        </p:xfrm>
+        <a:graphic>
+          <a:graphicData uri="http://schemas.openxmlformats.org/drawingml/2006/table">
+            <a:tbl>
+              <a:tblPr/>
+              <a:tblGrid>
+                <a:gridCol w="1407747"/>
+                <a:gridCol w="1407747"/>
+              </a:tblGrid>
+              <a:tr h="265071">
+                <a:tc>
+                  <a:txBody>
+                    <a:bodyPr/>
+                    <a:lstStyle/>
+                    <a:p>
+                      <a:pPr algn="ctr">
+                        <a:defRPr sz="1800"/>
+                      </a:pPr>
+                      <a:r>
+                        <a:rPr sz="1500"/>
+                        <a:t>화면 번호</a:t>
+                      </a:r>
+                    </a:p>
+                  </a:txBody>
+                  <a:tcPr marL="45720" marR="45720" anchor="ctr" horzOverflow="overflow">
+                    <a:lnL w="12700">
+                      <a:solidFill>
+                        <a:srgbClr val="000000"/>
+                      </a:solidFill>
+                    </a:lnL>
+                    <a:lnR w="12700">
+                      <a:solidFill>
+                        <a:srgbClr val="000000"/>
+                      </a:solidFill>
+                    </a:lnR>
+                    <a:lnT w="12700">
+                      <a:solidFill>
+                        <a:srgbClr val="000000"/>
+                      </a:solidFill>
+                    </a:lnT>
+                    <a:lnB w="12700">
+                      <a:solidFill>
+                        <a:srgbClr val="000000"/>
+                      </a:solidFill>
+                    </a:lnB>
+                    <a:solidFill>
+                      <a:srgbClr val="D9D9D9"/>
+                    </a:solidFill>
+                  </a:tcPr>
+                </a:tc>
+                <a:tc>
+                  <a:txBody>
+                    <a:bodyPr/>
+                    <a:lstStyle/>
+                    <a:p>
+                      <a:pPr algn="ctr">
+                        <a:defRPr sz="1000">
+                          <a:latin typeface="Arial"/>
+                          <a:ea typeface="Arial"/>
+                          <a:cs typeface="Arial"/>
+                          <a:sym typeface="Arial"/>
+                        </a:defRPr>
+                      </a:pPr>
+                      <a:endParaRPr/>
+                    </a:p>
+                  </a:txBody>
+                  <a:tcPr marL="9525" marR="9525" marT="9525" marB="9525" anchor="ctr" horzOverflow="overflow">
+                    <a:lnL w="12700">
+                      <a:solidFill>
+                        <a:srgbClr val="000000"/>
+                      </a:solidFill>
+                    </a:lnL>
+                    <a:lnR w="12700">
+                      <a:solidFill>
+                        <a:srgbClr val="000000"/>
+                      </a:solidFill>
+                    </a:lnR>
+                    <a:lnT w="12700">
+                      <a:solidFill>
+                        <a:srgbClr val="000000"/>
+                      </a:solidFill>
+                    </a:lnT>
+                    <a:lnB w="12700">
+                      <a:solidFill>
+                        <a:srgbClr val="000000"/>
+                      </a:solidFill>
+                    </a:lnB>
+                    <a:solidFill>
+                      <a:srgbClr val="FFFFFF"/>
+                    </a:solidFill>
+                  </a:tcPr>
+                </a:tc>
+              </a:tr>
+            </a:tbl>
+          </a:graphicData>
+        </a:graphic>
+      </p:graphicFrame>
+      <p:graphicFrame>
+        <p:nvGraphicFramePr>
+          <p:cNvPr id="111" name="표 8"/>
+          <p:cNvGraphicFramePr/>
+          <p:nvPr/>
+        </p:nvGraphicFramePr>
+        <p:xfrm>
+          <a:off x="6200085" y="197402"/>
+          <a:ext cx="2815494" cy="320040"/>
+        </p:xfrm>
+        <a:graphic>
+          <a:graphicData uri="http://schemas.openxmlformats.org/drawingml/2006/table">
+            <a:tbl>
+              <a:tblPr/>
+              <a:tblGrid>
+                <a:gridCol w="1407747"/>
+                <a:gridCol w="1407747"/>
+              </a:tblGrid>
+              <a:tr h="265071">
+                <a:tc>
+                  <a:txBody>
+                    <a:bodyPr/>
+                    <a:lstStyle/>
+                    <a:p>
+                      <a:pPr algn="ctr">
+                        <a:defRPr sz="1500"/>
+                      </a:pPr>
+                      <a:endParaRPr/>
+                    </a:p>
+                  </a:txBody>
+                  <a:tcPr marL="45720" marR="45720" anchor="ctr" horzOverflow="overflow">
+                    <a:lnL w="12700">
+                      <a:solidFill>
+                        <a:srgbClr val="000000"/>
+                      </a:solidFill>
+                    </a:lnL>
+                    <a:lnR w="12700">
+                      <a:solidFill>
+                        <a:srgbClr val="000000"/>
+                      </a:solidFill>
+                    </a:lnR>
+                    <a:lnT w="12700">
+                      <a:solidFill>
+                        <a:srgbClr val="000000"/>
+                      </a:solidFill>
+                    </a:lnT>
+                    <a:lnB w="12700">
+                      <a:solidFill>
+                        <a:srgbClr val="000000"/>
+                      </a:solidFill>
+                    </a:lnB>
+                    <a:solidFill>
+                      <a:srgbClr val="D9D9D9"/>
+                    </a:solidFill>
+                  </a:tcPr>
+                </a:tc>
+                <a:tc>
+                  <a:txBody>
+                    <a:bodyPr/>
+                    <a:lstStyle/>
+                    <a:p>
+                      <a:pPr algn="ctr">
+                        <a:defRPr sz="1500"/>
+                      </a:pPr>
+                      <a:endParaRPr/>
+                    </a:p>
+                  </a:txBody>
+                  <a:tcPr marL="45720" marR="45720" anchor="ctr" horzOverflow="overflow">
+                    <a:lnL w="12700">
+                      <a:solidFill>
+                        <a:srgbClr val="000000"/>
+                      </a:solidFill>
+                    </a:lnL>
+                    <a:lnR w="12700">
+                      <a:solidFill>
+                        <a:srgbClr val="000000"/>
+                      </a:solidFill>
+                    </a:lnR>
+                    <a:lnT w="12700">
+                      <a:solidFill>
+                        <a:srgbClr val="000000"/>
+                      </a:solidFill>
+                    </a:lnT>
+                    <a:lnB w="12700">
+                      <a:solidFill>
+                        <a:srgbClr val="000000"/>
+                      </a:solidFill>
+                    </a:lnB>
+                    <a:solidFill>
+                      <a:srgbClr val="FFFFFF"/>
+                    </a:solidFill>
+                  </a:tcPr>
+                </a:tc>
+              </a:tr>
+            </a:tbl>
+          </a:graphicData>
+        </a:graphic>
+      </p:graphicFrame>
+      <p:graphicFrame>
+        <p:nvGraphicFramePr>
+          <p:cNvPr id="112" name="표 13"/>
+          <p:cNvGraphicFramePr/>
+          <p:nvPr/>
+        </p:nvGraphicFramePr>
+        <p:xfrm>
+          <a:off x="8509686" y="1289960"/>
+          <a:ext cx="3491813" cy="5407837"/>
+        </p:xfrm>
+        <a:graphic>
+          <a:graphicData uri="http://schemas.openxmlformats.org/drawingml/2006/table">
+            <a:tbl>
+              <a:tblPr firstRow="1"/>
+              <a:tblGrid>
+                <a:gridCol w="342705"/>
+                <a:gridCol w="3149108"/>
+              </a:tblGrid>
+              <a:tr h="378460">
+                <a:tc>
+                  <a:txBody>
+                    <a:bodyPr/>
+                    <a:lstStyle/>
+                    <a:p>
+                      <a:pPr algn="ctr">
+                        <a:defRPr sz="1800" b="0">
+                          <a:solidFill>
+                            <a:srgbClr val="000000"/>
+                          </a:solidFill>
+                        </a:defRPr>
+                      </a:pPr>
+                      <a:r>
+                        <a:rPr sz="1500" b="1"/>
+                        <a:t>#</a:t>
+                      </a:r>
+                    </a:p>
+                  </a:txBody>
+                  <a:tcPr marL="45720" marR="45720" anchor="ctr" horzOverflow="overflow">
+                    <a:lnL w="12700">
+                      <a:solidFill>
+                        <a:srgbClr val="000000"/>
+                      </a:solidFill>
+                    </a:lnL>
+                    <a:lnR w="12700">
+                      <a:solidFill>
+                        <a:srgbClr val="000000"/>
+                      </a:solidFill>
+                    </a:lnR>
+                    <a:lnT w="12700">
+                      <a:solidFill>
+                        <a:srgbClr val="000000"/>
+                      </a:solidFill>
+                    </a:lnT>
+                    <a:lnB w="12700">
+                      <a:solidFill>
+                        <a:srgbClr val="000000"/>
+                      </a:solidFill>
+                    </a:lnB>
+                    <a:solidFill>
+                      <a:srgbClr val="D9D9D9"/>
+                    </a:solidFill>
+                  </a:tcPr>
+                </a:tc>
+                <a:tc>
+                  <a:txBody>
+                    <a:bodyPr/>
+                    <a:lstStyle/>
+                    <a:p>
+                      <a:pPr algn="ctr">
+                        <a:defRPr sz="1800" b="0">
+                          <a:solidFill>
+                            <a:srgbClr val="000000"/>
+                          </a:solidFill>
+                        </a:defRPr>
+                      </a:pPr>
+                      <a:r>
+                        <a:rPr sz="1500" b="1"/>
+                        <a:t>기능명</a:t>
+                      </a:r>
+                    </a:p>
+                  </a:txBody>
+                  <a:tcPr marL="45720" marR="45720" anchor="ctr" horzOverflow="overflow">
+                    <a:lnL w="12700">
+                      <a:solidFill>
+                        <a:srgbClr val="000000"/>
+                      </a:solidFill>
+                    </a:lnL>
+                    <a:lnR w="12700">
+                      <a:solidFill>
+                        <a:srgbClr val="000000"/>
+                      </a:solidFill>
+                    </a:lnR>
+                    <a:lnT w="12700">
+                      <a:solidFill>
+                        <a:srgbClr val="000000"/>
+                      </a:solidFill>
+                    </a:lnT>
+                    <a:lnB w="12700">
+                      <a:solidFill>
+                        <a:srgbClr val="000000"/>
+                      </a:solidFill>
+                    </a:lnB>
+                    <a:solidFill>
+                      <a:srgbClr val="D9D9D9"/>
+                    </a:solidFill>
+                  </a:tcPr>
+                </a:tc>
+              </a:tr>
+              <a:tr h="947993">
+                <a:tc>
+                  <a:txBody>
+                    <a:bodyPr/>
+                    <a:lstStyle/>
+                    <a:p>
+                      <a:pPr algn="ctr">
+                        <a:defRPr sz="1800"/>
+                      </a:pPr>
+                      <a:r>
+                        <a:rPr sz="1500"/>
+                        <a:t>1</a:t>
+                      </a:r>
+                    </a:p>
+                  </a:txBody>
+                  <a:tcPr marL="45720" marR="45720" anchor="ctr" horzOverflow="overflow">
+                    <a:lnL w="12700">
+                      <a:solidFill>
+                        <a:srgbClr val="000000"/>
+                      </a:solidFill>
+                    </a:lnL>
+                    <a:lnR w="12700">
+                      <a:solidFill>
+                        <a:srgbClr val="000000"/>
+                      </a:solidFill>
+                    </a:lnR>
+                    <a:lnT w="12700">
+                      <a:solidFill>
+                        <a:srgbClr val="000000"/>
+                      </a:solidFill>
+                    </a:lnT>
+                    <a:lnB w="12700">
+                      <a:solidFill>
+                        <a:srgbClr val="000000"/>
+                      </a:solidFill>
+                    </a:lnB>
+                    <a:solidFill>
+                      <a:srgbClr val="FFFFFF"/>
+                    </a:solidFill>
+                  </a:tcPr>
+                </a:tc>
+                <a:tc>
+                  <a:txBody>
+                    <a:bodyPr/>
+                    <a:lstStyle/>
+                    <a:p>
+                      <a:pPr algn="l">
+                        <a:defRPr sz="1800"/>
+                      </a:pPr>
+                      <a:r>
+                        <a:rPr sz="1500"/>
+                        <a:t>상단에 이미지와 카테고리명이 들어가며 카테고리 클릭 시 이름은 붉은색으로 변경 되며 하단에 컨텐츠 출력</a:t>
+                      </a:r>
+                    </a:p>
+                  </a:txBody>
+                  <a:tcPr marL="45720" marR="45720" horzOverflow="overflow">
+                    <a:lnL w="12700">
+                      <a:solidFill>
+                        <a:srgbClr val="000000"/>
+                      </a:solidFill>
+                    </a:lnL>
+                    <a:lnR w="12700">
+                      <a:solidFill>
+                        <a:srgbClr val="000000"/>
+                      </a:solidFill>
+                    </a:lnR>
+                    <a:lnT w="12700">
+                      <a:solidFill>
+                        <a:srgbClr val="000000"/>
+                      </a:solidFill>
+                    </a:lnT>
+                    <a:lnB w="12700">
+                      <a:solidFill>
+                        <a:srgbClr val="000000"/>
+                      </a:solidFill>
+                    </a:lnB>
+                    <a:solidFill>
+                      <a:srgbClr val="FFFFFF"/>
+                    </a:solidFill>
+                  </a:tcPr>
+                </a:tc>
+              </a:tr>
+              <a:tr h="1179558">
+                <a:tc>
+                  <a:txBody>
+                    <a:bodyPr/>
+                    <a:lstStyle/>
+                    <a:p>
+                      <a:pPr algn="ctr">
+                        <a:defRPr sz="1800"/>
+                      </a:pPr>
+                      <a:r>
+                        <a:rPr sz="1500"/>
+                        <a:t>2</a:t>
+                      </a:r>
+                    </a:p>
+                  </a:txBody>
+                  <a:tcPr marL="45720" marR="45720" anchor="ctr" horzOverflow="overflow">
+                    <a:lnL w="12700">
+                      <a:solidFill>
+                        <a:srgbClr val="000000"/>
+                      </a:solidFill>
+                    </a:lnL>
+                    <a:lnR w="12700">
+                      <a:solidFill>
+                        <a:srgbClr val="000000"/>
+                      </a:solidFill>
+                    </a:lnR>
+                    <a:lnT w="12700">
+                      <a:solidFill>
+                        <a:srgbClr val="000000"/>
+                      </a:solidFill>
+                    </a:lnT>
+                    <a:lnB w="12700">
+                      <a:solidFill>
+                        <a:srgbClr val="000000"/>
+                      </a:solidFill>
+                    </a:lnB>
+                    <a:solidFill>
+                      <a:srgbClr val="FFFFFF"/>
+                    </a:solidFill>
+                  </a:tcPr>
+                </a:tc>
+                <a:tc>
+                  <a:txBody>
+                    <a:bodyPr/>
+                    <a:lstStyle/>
+                    <a:p>
+                      <a:pPr algn="l">
+                        <a:defRPr sz="1500"/>
+                      </a:pPr>
+                      <a:r>
+                        <a:t>하단 제품은 대표이미지와 대여기간,     금액 등 기본적인 정보 노출 </a:t>
+                      </a:r>
+                    </a:p>
+                    <a:p>
+                      <a:pPr algn="l">
+                        <a:defRPr sz="1500"/>
+                      </a:pPr>
+                      <a:r>
+                        <a:t>이미지나 텍스트 클릭 시 상세 페이지로 전환.</a:t>
+                      </a:r>
+                    </a:p>
+                  </a:txBody>
+                  <a:tcPr marL="45720" marR="45720" horzOverflow="overflow">
+                    <a:lnL w="12700">
+                      <a:solidFill>
+                        <a:srgbClr val="000000"/>
+                      </a:solidFill>
+                    </a:lnL>
+                    <a:lnR w="12700">
+                      <a:solidFill>
+                        <a:srgbClr val="000000"/>
+                      </a:solidFill>
+                    </a:lnR>
+                    <a:lnT w="12700">
+                      <a:solidFill>
+                        <a:srgbClr val="000000"/>
+                      </a:solidFill>
+                    </a:lnT>
+                    <a:lnB w="12700">
+                      <a:solidFill>
+                        <a:srgbClr val="000000"/>
+                      </a:solidFill>
+                    </a:lnB>
+                    <a:solidFill>
+                      <a:srgbClr val="FFFFFF"/>
+                    </a:solidFill>
+                  </a:tcPr>
+                </a:tc>
+              </a:tr>
+              <a:tr h="947993">
+                <a:tc>
+                  <a:txBody>
+                    <a:bodyPr/>
+                    <a:lstStyle/>
+                    <a:p>
+                      <a:pPr algn="ctr">
+                        <a:defRPr sz="1800"/>
+                      </a:pPr>
+                      <a:r>
+                        <a:rPr sz="1500"/>
+                        <a:t>3</a:t>
+                      </a:r>
+                    </a:p>
+                  </a:txBody>
+                  <a:tcPr marL="45720" marR="45720" anchor="ctr" horzOverflow="overflow">
+                    <a:lnL w="12700">
+                      <a:solidFill>
+                        <a:srgbClr val="000000"/>
+                      </a:solidFill>
+                    </a:lnL>
+                    <a:lnR w="12700">
+                      <a:solidFill>
+                        <a:srgbClr val="000000"/>
+                      </a:solidFill>
+                    </a:lnR>
+                    <a:lnT w="12700">
+                      <a:solidFill>
+                        <a:srgbClr val="000000"/>
+                      </a:solidFill>
+                    </a:lnT>
+                    <a:lnB w="12700">
+                      <a:solidFill>
+                        <a:srgbClr val="000000"/>
+                      </a:solidFill>
+                    </a:lnB>
+                    <a:solidFill>
+                      <a:srgbClr val="FFFFFF"/>
+                    </a:solidFill>
+                  </a:tcPr>
+                </a:tc>
+                <a:tc>
+                  <a:txBody>
+                    <a:bodyPr/>
+                    <a:lstStyle/>
+                    <a:p>
+                      <a:pPr algn="l">
+                        <a:defRPr sz="1500"/>
+                      </a:pPr>
+                      <a:endParaRPr/>
+                    </a:p>
+                  </a:txBody>
+                  <a:tcPr marL="45720" marR="45720" horzOverflow="overflow">
+                    <a:lnL w="12700">
+                      <a:solidFill>
+                        <a:srgbClr val="000000"/>
+                      </a:solidFill>
+                    </a:lnL>
+                    <a:lnR w="12700">
+                      <a:solidFill>
+                        <a:srgbClr val="000000"/>
+                      </a:solidFill>
+                    </a:lnR>
+                    <a:lnT w="12700">
+                      <a:solidFill>
+                        <a:srgbClr val="000000"/>
+                      </a:solidFill>
+                    </a:lnT>
+                    <a:lnB w="12700">
+                      <a:solidFill>
+                        <a:srgbClr val="000000"/>
+                      </a:solidFill>
+                    </a:lnB>
+                    <a:solidFill>
+                      <a:srgbClr val="FFFFFF"/>
+                    </a:solidFill>
+                  </a:tcPr>
+                </a:tc>
+              </a:tr>
+              <a:tr h="947993">
+                <a:tc>
+                  <a:txBody>
+                    <a:bodyPr/>
+                    <a:lstStyle/>
+                    <a:p>
+                      <a:pPr algn="ctr">
+                        <a:defRPr sz="1800"/>
+                      </a:pPr>
+                      <a:r>
+                        <a:rPr sz="1500"/>
+                        <a:t>4</a:t>
+                      </a:r>
+                    </a:p>
+                  </a:txBody>
+                  <a:tcPr marL="45720" marR="45720" anchor="ctr" horzOverflow="overflow">
+                    <a:lnL w="12700">
+                      <a:solidFill>
+                        <a:srgbClr val="000000"/>
+                      </a:solidFill>
+                    </a:lnL>
+                    <a:lnR w="12700">
+                      <a:solidFill>
+                        <a:srgbClr val="000000"/>
+                      </a:solidFill>
+                    </a:lnR>
+                    <a:lnT w="12700">
+                      <a:solidFill>
+                        <a:srgbClr val="000000"/>
+                      </a:solidFill>
+                    </a:lnT>
+                    <a:lnB w="12700">
+                      <a:solidFill>
+                        <a:srgbClr val="000000"/>
+                      </a:solidFill>
+                    </a:lnB>
+                    <a:solidFill>
+                      <a:srgbClr val="FFFFFF"/>
+                    </a:solidFill>
+                  </a:tcPr>
+                </a:tc>
+                <a:tc>
+                  <a:txBody>
+                    <a:bodyPr/>
+                    <a:lstStyle/>
+                    <a:p>
+                      <a:pPr algn="l">
+                        <a:defRPr sz="1500"/>
+                      </a:pPr>
+                      <a:endParaRPr/>
+                    </a:p>
+                  </a:txBody>
+                  <a:tcPr marL="45720" marR="45720" horzOverflow="overflow">
+                    <a:lnL w="12700">
+                      <a:solidFill>
+                        <a:srgbClr val="000000"/>
+                      </a:solidFill>
+                    </a:lnL>
+                    <a:lnR w="12700">
+                      <a:solidFill>
+                        <a:srgbClr val="000000"/>
+                      </a:solidFill>
+                    </a:lnR>
+                    <a:lnT w="12700">
+                      <a:solidFill>
+                        <a:srgbClr val="000000"/>
+                      </a:solidFill>
+                    </a:lnT>
+                    <a:lnB w="12700">
+                      <a:solidFill>
+                        <a:srgbClr val="000000"/>
+                      </a:solidFill>
+                    </a:lnB>
+                    <a:solidFill>
+                      <a:srgbClr val="FFFFFF"/>
+                    </a:solidFill>
+                  </a:tcPr>
+                </a:tc>
+              </a:tr>
+              <a:tr h="947993">
+                <a:tc>
+                  <a:txBody>
+                    <a:bodyPr/>
+                    <a:lstStyle/>
+                    <a:p>
+                      <a:pPr algn="ctr">
+                        <a:defRPr sz="1800"/>
+                      </a:pPr>
+                      <a:r>
+                        <a:rPr sz="1500"/>
+                        <a:t>5</a:t>
+                      </a:r>
+                    </a:p>
+                  </a:txBody>
+                  <a:tcPr marL="45720" marR="45720" anchor="ctr" horzOverflow="overflow">
+                    <a:lnL w="12700">
+                      <a:solidFill>
+                        <a:srgbClr val="000000"/>
+                      </a:solidFill>
+                    </a:lnL>
+                    <a:lnR w="12700">
+                      <a:solidFill>
+                        <a:srgbClr val="000000"/>
+                      </a:solidFill>
+                    </a:lnR>
+                    <a:lnT w="12700">
+                      <a:solidFill>
+                        <a:srgbClr val="000000"/>
+                      </a:solidFill>
+                    </a:lnT>
+                    <a:lnB w="12700">
+                      <a:solidFill>
+                        <a:srgbClr val="000000"/>
+                      </a:solidFill>
+                    </a:lnB>
+                    <a:solidFill>
+                      <a:srgbClr val="FFFFFF"/>
+                    </a:solidFill>
+                  </a:tcPr>
+                </a:tc>
+                <a:tc>
+                  <a:txBody>
+                    <a:bodyPr/>
+                    <a:lstStyle/>
+                    <a:p>
+                      <a:pPr algn="l">
+                        <a:defRPr sz="1500"/>
+                      </a:pPr>
+                      <a:endParaRPr/>
+                    </a:p>
+                  </a:txBody>
+                  <a:tcPr marL="45720" marR="45720" horzOverflow="overflow">
+                    <a:lnL w="12700">
+                      <a:solidFill>
+                        <a:srgbClr val="000000"/>
+                      </a:solidFill>
+                    </a:lnL>
+                    <a:lnR w="12700">
+                      <a:solidFill>
+                        <a:srgbClr val="000000"/>
+                      </a:solidFill>
+                    </a:lnR>
+                    <a:lnT w="12700">
+                      <a:solidFill>
+                        <a:srgbClr val="000000"/>
+                      </a:solidFill>
+                    </a:lnT>
+                    <a:lnB w="12700">
+                      <a:solidFill>
+                        <a:srgbClr val="000000"/>
+                      </a:solidFill>
+                    </a:lnB>
+                    <a:solidFill>
+                      <a:srgbClr val="FFFFFF"/>
+                    </a:solidFill>
+                  </a:tcPr>
+                </a:tc>
+              </a:tr>
+            </a:tbl>
+          </a:graphicData>
+        </a:graphic>
+      </p:graphicFrame>
+      <p:sp>
+        <p:nvSpPr>
+          <p:cNvPr id="113" name="직사각형 39"/>
+          <p:cNvSpPr/>
+          <p:nvPr/>
+        </p:nvSpPr>
+        <p:spPr>
+          <a:xfrm>
+            <a:off x="131601" y="1289957"/>
+            <a:ext cx="8032096" cy="5350000"/>
+          </a:xfrm>
+          <a:prstGeom prst="rect">
+            <a:avLst/>
+          </a:prstGeom>
+          <a:solidFill>
+            <a:srgbClr val="FFFFFF"/>
+          </a:solidFill>
+          <a:ln w="12700">
+            <a:solidFill>
+              <a:srgbClr val="000000"/>
+            </a:solidFill>
+            <a:miter/>
+          </a:ln>
+        </p:spPr>
+        <p:txBody>
+          <a:bodyPr lIns="45718" tIns="45718" rIns="45718" bIns="45718" anchor="ctr"/>
+          <a:lstStyle/>
+          <a:p>
+            <a:pPr algn="ctr">
+              <a:defRPr sz="1500">
+                <a:latin typeface="+mn-lt"/>
+                <a:ea typeface="+mn-ea"/>
+                <a:cs typeface="+mn-cs"/>
+                <a:sym typeface="맑은 고딕"/>
+              </a:defRPr>
+            </a:pPr>
+            <a:endParaRPr/>
+          </a:p>
+        </p:txBody>
+      </p:sp>
+      <p:graphicFrame>
+        <p:nvGraphicFramePr>
+          <p:cNvPr id="114" name="표 57"/>
+          <p:cNvGraphicFramePr/>
+          <p:nvPr>
+            <p:extLst/>
+          </p:nvPr>
+        </p:nvGraphicFramePr>
+        <p:xfrm>
+          <a:off x="131601" y="115758"/>
+          <a:ext cx="3313726" cy="929640"/>
+        </p:xfrm>
+        <a:graphic>
+          <a:graphicData uri="http://schemas.openxmlformats.org/drawingml/2006/table">
+            <a:tbl>
+              <a:tblPr firstRow="1"/>
+              <a:tblGrid>
+                <a:gridCol w="1656863"/>
+                <a:gridCol w="1656863"/>
+              </a:tblGrid>
+              <a:tr h="271237">
+                <a:tc>
+                  <a:txBody>
+                    <a:bodyPr/>
+                    <a:lstStyle/>
+                    <a:p>
+                      <a:pPr algn="ctr">
+                        <a:defRPr sz="1800" b="0">
+                          <a:solidFill>
+                            <a:srgbClr val="000000"/>
+                          </a:solidFill>
+                        </a:defRPr>
+                      </a:pPr>
+                      <a:r>
+                        <a:rPr sz="1500" dirty="0" err="1">
+                          <a:solidFill>
+                            <a:schemeClr val="tx1"/>
+                          </a:solidFill>
+                        </a:rPr>
+                        <a:t>화면코드</a:t>
+                      </a:r>
+                      <a:endParaRPr sz="1500" dirty="0">
+                        <a:solidFill>
+                          <a:schemeClr val="tx1"/>
+                        </a:solidFill>
+                      </a:endParaRPr>
+                    </a:p>
+                  </a:txBody>
+                  <a:tcPr marL="45720" marR="45720" anchor="ctr" horzOverflow="overflow">
+                    <a:lnL w="12700">
+                      <a:solidFill>
+                        <a:srgbClr val="000000"/>
+                      </a:solidFill>
+                    </a:lnL>
+                    <a:lnR w="12700">
+                      <a:solidFill>
+                        <a:srgbClr val="000000"/>
+                      </a:solidFill>
+                    </a:lnR>
+                    <a:lnT w="12700">
+                      <a:solidFill>
+                        <a:srgbClr val="000000"/>
+                      </a:solidFill>
+                    </a:lnT>
+                    <a:lnB w="12700">
+                      <a:solidFill>
+                        <a:srgbClr val="000000"/>
+                      </a:solidFill>
+                    </a:lnB>
+                    <a:solidFill>
+                      <a:srgbClr val="D9D9D9"/>
+                    </a:solidFill>
+                  </a:tcPr>
+                </a:tc>
+                <a:tc>
+                  <a:txBody>
+                    <a:bodyPr/>
+                    <a:lstStyle/>
+                    <a:p>
+                      <a:pPr algn="ctr">
+                        <a:defRPr sz="1000" b="0">
+                          <a:solidFill>
+                            <a:srgbClr val="000000"/>
+                          </a:solidFill>
+                          <a:latin typeface="Arial"/>
+                          <a:ea typeface="Arial"/>
+                          <a:cs typeface="Arial"/>
+                          <a:sym typeface="Arial"/>
+                        </a:defRPr>
+                      </a:pPr>
+                      <a:endParaRPr>
+                        <a:solidFill>
+                          <a:schemeClr val="tx1"/>
+                        </a:solidFill>
+                      </a:endParaRPr>
+                    </a:p>
+                  </a:txBody>
+                  <a:tcPr marL="9525" marR="9525" marT="9525" marB="9525" anchor="ctr" horzOverflow="overflow">
+                    <a:lnL w="12700">
+                      <a:solidFill>
+                        <a:srgbClr val="000000"/>
+                      </a:solidFill>
+                    </a:lnL>
+                    <a:lnR w="12700">
+                      <a:solidFill>
+                        <a:srgbClr val="000000"/>
+                      </a:solidFill>
+                    </a:lnR>
+                    <a:lnT w="12700">
+                      <a:solidFill>
+                        <a:srgbClr val="000000"/>
+                      </a:solidFill>
+                    </a:lnT>
+                    <a:lnB w="12700">
+                      <a:solidFill>
+                        <a:srgbClr val="000000"/>
+                      </a:solidFill>
+                    </a:lnB>
+                    <a:solidFill>
+                      <a:srgbClr val="FFFFFF"/>
+                    </a:solidFill>
+                  </a:tcPr>
+                </a:tc>
+              </a:tr>
+              <a:tr h="271237">
+                <a:tc rowSpan="2">
+                  <a:txBody>
+                    <a:bodyPr/>
+                    <a:lstStyle/>
+                    <a:p>
+                      <a:pPr algn="ctr">
+                        <a:defRPr sz="1800"/>
+                      </a:pPr>
+                      <a:r>
+                        <a:rPr sz="1500">
+                          <a:solidFill>
+                            <a:schemeClr val="tx1"/>
+                          </a:solidFill>
+                        </a:rPr>
+                        <a:t>화면명</a:t>
+                      </a:r>
+                    </a:p>
+                  </a:txBody>
+                  <a:tcPr marL="45720" marR="45720" anchor="ctr" horzOverflow="overflow">
+                    <a:lnL w="12700">
+                      <a:solidFill>
+                        <a:srgbClr val="000000"/>
+                      </a:solidFill>
+                    </a:lnL>
+                    <a:lnR w="12700">
+                      <a:solidFill>
+                        <a:srgbClr val="000000"/>
+                      </a:solidFill>
+                    </a:lnR>
+                    <a:lnT w="12700">
+                      <a:solidFill>
+                        <a:srgbClr val="000000"/>
+                      </a:solidFill>
+                    </a:lnT>
+                    <a:lnB w="12700">
+                      <a:solidFill>
+                        <a:srgbClr val="000000"/>
+                      </a:solidFill>
+                    </a:lnB>
+                    <a:solidFill>
+                      <a:srgbClr val="D9D9D9"/>
+                    </a:solidFill>
+                  </a:tcPr>
+                </a:tc>
+                <a:tc>
+                  <a:txBody>
+                    <a:bodyPr/>
+                    <a:lstStyle/>
+                    <a:p>
+                      <a:pPr algn="ctr">
+                        <a:defRPr sz="1500">
+                          <a:solidFill>
+                            <a:srgbClr val="0070C0"/>
+                          </a:solidFill>
+                        </a:defRPr>
+                      </a:pPr>
+                      <a:endParaRPr>
+                        <a:solidFill>
+                          <a:schemeClr val="tx1"/>
+                        </a:solidFill>
+                      </a:endParaRPr>
+                    </a:p>
+                  </a:txBody>
+                  <a:tcPr marL="45720" marR="45720" anchor="ctr" horzOverflow="overflow">
+                    <a:lnL w="12700">
+                      <a:solidFill>
+                        <a:srgbClr val="000000"/>
+                      </a:solidFill>
+                    </a:lnL>
+                    <a:lnR w="12700">
+                      <a:solidFill>
+                        <a:srgbClr val="000000"/>
+                      </a:solidFill>
+                    </a:lnR>
+                    <a:lnT w="12700">
+                      <a:solidFill>
+                        <a:srgbClr val="000000"/>
+                      </a:solidFill>
+                    </a:lnT>
+                    <a:lnB w="12700">
+                      <a:solidFill>
+                        <a:srgbClr val="000000"/>
+                      </a:solidFill>
+                    </a:lnB>
+                    <a:solidFill>
+                      <a:srgbClr val="FFFFFF"/>
+                    </a:solidFill>
+                  </a:tcPr>
+                </a:tc>
+              </a:tr>
+              <a:tr h="271237">
+                <a:tc vMerge="1">
+                  <a:txBody>
+                    <a:bodyPr/>
+                    <a:lstStyle/>
+                    <a:p>
+                      <a:endParaRPr lang="ko-KR"/>
+                    </a:p>
+                  </a:txBody>
+                  <a:tcPr/>
+                </a:tc>
+                <a:tc>
+                  <a:txBody>
+                    <a:bodyPr/>
+                    <a:lstStyle/>
+                    <a:p>
+                      <a:pPr algn="ctr">
+                        <a:defRPr sz="1800"/>
+                      </a:pPr>
+                      <a:r>
+                        <a:rPr sz="1300" dirty="0" err="1">
+                          <a:solidFill>
+                            <a:schemeClr val="tx1"/>
+                          </a:solidFill>
+                        </a:rPr>
+                        <a:t>카테고리별</a:t>
+                      </a:r>
+                      <a:r>
+                        <a:rPr sz="1300" dirty="0">
+                          <a:solidFill>
+                            <a:schemeClr val="tx1"/>
+                          </a:solidFill>
+                        </a:rPr>
+                        <a:t> </a:t>
+                      </a:r>
+                      <a:r>
+                        <a:rPr sz="1300" dirty="0" err="1">
+                          <a:solidFill>
+                            <a:schemeClr val="tx1"/>
+                          </a:solidFill>
+                        </a:rPr>
+                        <a:t>컨텐츠</a:t>
+                      </a:r>
+                      <a:endParaRPr sz="1300" dirty="0">
+                        <a:solidFill>
+                          <a:schemeClr val="tx1"/>
+                        </a:solidFill>
+                      </a:endParaRPr>
+                    </a:p>
+                  </a:txBody>
+                  <a:tcPr marL="45720" marR="45720" anchor="ctr" horzOverflow="overflow">
+                    <a:lnL w="12700">
+                      <a:solidFill>
+                        <a:srgbClr val="000000"/>
+                      </a:solidFill>
+                    </a:lnL>
+                    <a:lnR w="12700">
+                      <a:solidFill>
+                        <a:srgbClr val="000000"/>
+                      </a:solidFill>
+                    </a:lnR>
+                    <a:lnT w="12700">
+                      <a:solidFill>
+                        <a:srgbClr val="000000"/>
+                      </a:solidFill>
+                    </a:lnT>
+                    <a:lnB w="12700">
+                      <a:solidFill>
+                        <a:srgbClr val="000000"/>
+                      </a:solidFill>
+                    </a:lnB>
+                    <a:solidFill>
+                      <a:srgbClr val="FFFFFF"/>
+                    </a:solidFill>
+                  </a:tcPr>
+                </a:tc>
+              </a:tr>
+            </a:tbl>
+          </a:graphicData>
+        </a:graphic>
+      </p:graphicFrame>
+      <p:grpSp>
+        <p:nvGrpSpPr>
+          <p:cNvPr id="3" name="그룹 2"/>
+          <p:cNvGrpSpPr/>
+          <p:nvPr/>
+        </p:nvGrpSpPr>
+        <p:grpSpPr>
+          <a:xfrm>
+            <a:off x="463540" y="2282456"/>
+            <a:ext cx="7355230" cy="4251230"/>
+            <a:chOff x="463540" y="2282456"/>
+            <a:chExt cx="7355230" cy="4251230"/>
+          </a:xfrm>
+        </p:grpSpPr>
+        <p:pic>
+          <p:nvPicPr>
+            <p:cNvPr id="130" name="이미지" descr="이미지"/>
+            <p:cNvPicPr>
+              <a:picLocks noChangeAspect="1"/>
+            </p:cNvPicPr>
+            <p:nvPr/>
+          </p:nvPicPr>
+          <p:blipFill>
+            <a:blip r:embed="rId2">
+              <a:extLst/>
+            </a:blip>
+            <a:stretch>
+              <a:fillRect/>
+            </a:stretch>
+          </p:blipFill>
+          <p:spPr>
+            <a:xfrm>
+              <a:off x="495738" y="2370432"/>
+              <a:ext cx="1548509" cy="1270003"/>
+            </a:xfrm>
+            <a:prstGeom prst="rect">
+              <a:avLst/>
+            </a:prstGeom>
+            <a:ln w="12700">
+              <a:miter lim="400000"/>
+            </a:ln>
+          </p:spPr>
+        </p:pic>
+        <p:pic>
+          <p:nvPicPr>
+            <p:cNvPr id="131" name="이미지" descr="이미지"/>
+            <p:cNvPicPr>
+              <a:picLocks noChangeAspect="1"/>
+            </p:cNvPicPr>
+            <p:nvPr/>
+          </p:nvPicPr>
+          <p:blipFill>
+            <a:blip r:embed="rId3">
+              <a:extLst/>
+            </a:blip>
+            <a:stretch>
+              <a:fillRect/>
+            </a:stretch>
+          </p:blipFill>
+          <p:spPr>
+            <a:xfrm>
+              <a:off x="2292342" y="2370432"/>
+              <a:ext cx="1548511" cy="1270003"/>
+            </a:xfrm>
+            <a:prstGeom prst="rect">
+              <a:avLst/>
+            </a:prstGeom>
+            <a:ln w="12700">
+              <a:miter lim="400000"/>
+            </a:ln>
+          </p:spPr>
+        </p:pic>
+        <p:pic>
+          <p:nvPicPr>
+            <p:cNvPr id="132" name="이미지" descr="이미지"/>
+            <p:cNvPicPr>
+              <a:picLocks noChangeAspect="1"/>
+            </p:cNvPicPr>
+            <p:nvPr/>
+          </p:nvPicPr>
+          <p:blipFill>
+            <a:blip r:embed="rId4">
+              <a:extLst/>
+            </a:blip>
+            <a:stretch>
+              <a:fillRect/>
+            </a:stretch>
+          </p:blipFill>
+          <p:spPr>
+            <a:xfrm>
+              <a:off x="4036540" y="2321741"/>
+              <a:ext cx="2068531" cy="1270003"/>
+            </a:xfrm>
+            <a:prstGeom prst="rect">
+              <a:avLst/>
+            </a:prstGeom>
+            <a:ln w="12700">
+              <a:miter lim="400000"/>
+            </a:ln>
+          </p:spPr>
+        </p:pic>
+        <p:pic>
+          <p:nvPicPr>
+            <p:cNvPr id="133" name="이미지" descr="이미지"/>
+            <p:cNvPicPr>
+              <a:picLocks noChangeAspect="1"/>
+            </p:cNvPicPr>
+            <p:nvPr/>
+          </p:nvPicPr>
+          <p:blipFill>
+            <a:blip r:embed="rId5">
+              <a:extLst/>
+            </a:blip>
+            <a:stretch>
+              <a:fillRect/>
+            </a:stretch>
+          </p:blipFill>
+          <p:spPr>
+            <a:xfrm>
+              <a:off x="6238394" y="2282456"/>
+              <a:ext cx="1548509" cy="1270004"/>
+            </a:xfrm>
+            <a:prstGeom prst="rect">
+              <a:avLst/>
+            </a:prstGeom>
+            <a:ln w="12700">
+              <a:miter lim="400000"/>
+            </a:ln>
+          </p:spPr>
+        </p:pic>
+        <p:pic>
+          <p:nvPicPr>
+            <p:cNvPr id="134" name="이미지" descr="이미지"/>
+            <p:cNvPicPr>
+              <a:picLocks noChangeAspect="1"/>
+            </p:cNvPicPr>
+            <p:nvPr/>
+          </p:nvPicPr>
+          <p:blipFill>
+            <a:blip r:embed="rId2">
+              <a:extLst/>
+            </a:blip>
+            <a:stretch>
+              <a:fillRect/>
+            </a:stretch>
+          </p:blipFill>
+          <p:spPr>
+            <a:xfrm>
+              <a:off x="463540" y="4506731"/>
+              <a:ext cx="1548511" cy="1270003"/>
+            </a:xfrm>
+            <a:prstGeom prst="rect">
+              <a:avLst/>
+            </a:prstGeom>
+            <a:ln w="12700">
+              <a:miter lim="400000"/>
+            </a:ln>
+          </p:spPr>
+        </p:pic>
+        <p:pic>
+          <p:nvPicPr>
+            <p:cNvPr id="135" name="이미지" descr="이미지"/>
+            <p:cNvPicPr>
+              <a:picLocks noChangeAspect="1"/>
+            </p:cNvPicPr>
+            <p:nvPr/>
+          </p:nvPicPr>
+          <p:blipFill>
+            <a:blip r:embed="rId3">
+              <a:extLst/>
+            </a:blip>
+            <a:stretch>
+              <a:fillRect/>
+            </a:stretch>
+          </p:blipFill>
+          <p:spPr>
+            <a:xfrm>
+              <a:off x="2260144" y="4506731"/>
+              <a:ext cx="1548511" cy="1270003"/>
+            </a:xfrm>
+            <a:prstGeom prst="rect">
+              <a:avLst/>
+            </a:prstGeom>
+            <a:ln w="12700">
+              <a:miter lim="400000"/>
+            </a:ln>
+          </p:spPr>
+        </p:pic>
+        <p:pic>
+          <p:nvPicPr>
+            <p:cNvPr id="136" name="이미지" descr="이미지"/>
+            <p:cNvPicPr>
+              <a:picLocks noChangeAspect="1"/>
+            </p:cNvPicPr>
+            <p:nvPr/>
+          </p:nvPicPr>
+          <p:blipFill>
+            <a:blip r:embed="rId4">
+              <a:extLst/>
+            </a:blip>
+            <a:stretch>
+              <a:fillRect/>
+            </a:stretch>
+          </p:blipFill>
+          <p:spPr>
+            <a:xfrm>
+              <a:off x="4004343" y="4458041"/>
+              <a:ext cx="2068532" cy="1270003"/>
+            </a:xfrm>
+            <a:prstGeom prst="rect">
+              <a:avLst/>
+            </a:prstGeom>
+            <a:ln w="12700">
+              <a:miter lim="400000"/>
+            </a:ln>
+          </p:spPr>
+        </p:pic>
+        <p:pic>
+          <p:nvPicPr>
+            <p:cNvPr id="137" name="이미지" descr="이미지"/>
+            <p:cNvPicPr>
+              <a:picLocks noChangeAspect="1"/>
+            </p:cNvPicPr>
+            <p:nvPr/>
+          </p:nvPicPr>
+          <p:blipFill>
+            <a:blip r:embed="rId5">
+              <a:extLst/>
+            </a:blip>
+            <a:stretch>
+              <a:fillRect/>
+            </a:stretch>
+          </p:blipFill>
+          <p:spPr>
+            <a:xfrm>
+              <a:off x="6193042" y="4439244"/>
+              <a:ext cx="1548511" cy="1270003"/>
+            </a:xfrm>
+            <a:prstGeom prst="rect">
+              <a:avLst/>
+            </a:prstGeom>
+            <a:ln w="12700">
+              <a:miter lim="400000"/>
+            </a:ln>
+          </p:spPr>
+        </p:pic>
+        <p:sp>
+          <p:nvSpPr>
+            <p:cNvPr id="138" name="2020 맥북프로"/>
+            <p:cNvSpPr txBox="1"/>
+            <p:nvPr/>
+          </p:nvSpPr>
+          <p:spPr>
+            <a:xfrm>
+              <a:off x="551151" y="3677575"/>
+              <a:ext cx="1493096" cy="276995"/>
+            </a:xfrm>
+            <a:prstGeom prst="rect">
+              <a:avLst/>
+            </a:prstGeom>
+            <a:ln w="12700">
+              <a:miter lim="400000"/>
+            </a:ln>
+            <a:extLst>
+              <a:ext uri="{C572A759-6A51-4108-AA02-DFA0A04FC94B}">
+                <ma14:wrappingTextBoxFlag xmlns="" xmlns:m="http://schemas.openxmlformats.org/officeDocument/2006/math" xmlns:a14="http://schemas.microsoft.com/office/drawing/2010/main" xmlns:ma14="http://schemas.microsoft.com/office/mac/drawingml/2011/main" val="1"/>
+              </a:ext>
+            </a:extLst>
+          </p:spPr>
+          <p:txBody>
+            <a:bodyPr lIns="45718" tIns="45718" rIns="45718" bIns="45718">
+              <a:spAutoFit/>
+            </a:bodyPr>
+            <a:lstStyle>
+              <a:lvl1pPr algn="ctr">
+                <a:defRPr>
+                  <a:latin typeface="+mn-lt"/>
+                  <a:ea typeface="+mn-ea"/>
+                  <a:cs typeface="+mn-cs"/>
+                  <a:sym typeface="맑은 고딕"/>
+                </a:defRPr>
+              </a:lvl1pPr>
+            </a:lstStyle>
+            <a:p>
+              <a:r>
+                <a:rPr sz="1200" dirty="0"/>
+                <a:t>2020 </a:t>
+              </a:r>
+              <a:r>
+                <a:rPr sz="1200" dirty="0" err="1"/>
+                <a:t>맥북프로</a:t>
+              </a:r>
+              <a:endParaRPr sz="1200" dirty="0"/>
+            </a:p>
+          </p:txBody>
+        </p:sp>
+        <p:sp>
+          <p:nvSpPr>
+            <p:cNvPr id="139" name="대여기간 6/12까지…"/>
+            <p:cNvSpPr txBox="1"/>
+            <p:nvPr/>
+          </p:nvSpPr>
+          <p:spPr>
+            <a:xfrm>
+              <a:off x="565422" y="4033718"/>
+              <a:ext cx="1385953" cy="461661"/>
+            </a:xfrm>
+            <a:prstGeom prst="rect">
+              <a:avLst/>
+            </a:prstGeom>
+            <a:ln w="12700">
+              <a:miter lim="400000"/>
+            </a:ln>
+            <a:extLst>
+              <a:ext uri="{C572A759-6A51-4108-AA02-DFA0A04FC94B}">
+                <ma14:wrappingTextBoxFlag xmlns="" xmlns:m="http://schemas.openxmlformats.org/officeDocument/2006/math" xmlns:a14="http://schemas.microsoft.com/office/drawing/2010/main" xmlns:ma14="http://schemas.microsoft.com/office/mac/drawingml/2011/main" val="1"/>
+              </a:ext>
+            </a:extLst>
+          </p:spPr>
+          <p:txBody>
+            <a:bodyPr wrap="none" lIns="45718" tIns="45718" rIns="45718" bIns="45718">
+              <a:spAutoFit/>
+            </a:bodyPr>
+            <a:lstStyle/>
+            <a:p>
+              <a:pPr algn="ctr">
+                <a:defRPr sz="1300">
+                  <a:latin typeface="+mn-lt"/>
+                  <a:ea typeface="+mn-ea"/>
+                  <a:cs typeface="+mn-cs"/>
+                  <a:sym typeface="맑은 고딕"/>
+                </a:defRPr>
+              </a:pPr>
+              <a:r>
+                <a:rPr sz="1200"/>
+                <a:t>대여기간 6/12까지</a:t>
+              </a:r>
+            </a:p>
+            <a:p>
+              <a:pPr algn="ctr">
+                <a:defRPr sz="1300">
+                  <a:latin typeface="+mn-lt"/>
+                  <a:ea typeface="+mn-ea"/>
+                  <a:cs typeface="+mn-cs"/>
+                  <a:sym typeface="맑은 고딕"/>
+                </a:defRPr>
+              </a:pPr>
+              <a:r>
+                <a:rPr sz="1200"/>
+                <a:t>300,000원</a:t>
+              </a:r>
+            </a:p>
+          </p:txBody>
+        </p:sp>
+        <p:sp>
+          <p:nvSpPr>
+            <p:cNvPr id="140" name="2019 아이맥"/>
+            <p:cNvSpPr txBox="1"/>
+            <p:nvPr/>
+          </p:nvSpPr>
+          <p:spPr>
+            <a:xfrm>
+              <a:off x="2411284" y="3677575"/>
+              <a:ext cx="1493097" cy="276995"/>
+            </a:xfrm>
+            <a:prstGeom prst="rect">
+              <a:avLst/>
+            </a:prstGeom>
+            <a:ln w="12700">
+              <a:miter lim="400000"/>
+            </a:ln>
+            <a:extLst>
+              <a:ext uri="{C572A759-6A51-4108-AA02-DFA0A04FC94B}">
+                <ma14:wrappingTextBoxFlag xmlns="" xmlns:m="http://schemas.openxmlformats.org/officeDocument/2006/math" xmlns:a14="http://schemas.microsoft.com/office/drawing/2010/main" xmlns:ma14="http://schemas.microsoft.com/office/mac/drawingml/2011/main" val="1"/>
+              </a:ext>
+            </a:extLst>
+          </p:spPr>
+          <p:txBody>
+            <a:bodyPr lIns="45718" tIns="45718" rIns="45718" bIns="45718">
+              <a:spAutoFit/>
+            </a:bodyPr>
+            <a:lstStyle>
+              <a:lvl1pPr algn="ctr">
+                <a:defRPr>
+                  <a:latin typeface="+mn-lt"/>
+                  <a:ea typeface="+mn-ea"/>
+                  <a:cs typeface="+mn-cs"/>
+                  <a:sym typeface="맑은 고딕"/>
+                </a:defRPr>
+              </a:lvl1pPr>
+            </a:lstStyle>
+            <a:p>
+              <a:r>
+                <a:rPr sz="1200"/>
+                <a:t>2019 아이맥</a:t>
+              </a:r>
+            </a:p>
+          </p:txBody>
+        </p:sp>
+        <p:sp>
+          <p:nvSpPr>
+            <p:cNvPr id="141" name="대여기간 6/12까지…"/>
+            <p:cNvSpPr txBox="1"/>
+            <p:nvPr/>
+          </p:nvSpPr>
+          <p:spPr>
+            <a:xfrm>
+              <a:off x="2424393" y="4018260"/>
+              <a:ext cx="1385953" cy="461661"/>
+            </a:xfrm>
+            <a:prstGeom prst="rect">
+              <a:avLst/>
+            </a:prstGeom>
+            <a:ln w="12700">
+              <a:miter lim="400000"/>
+            </a:ln>
+            <a:extLst>
+              <a:ext uri="{C572A759-6A51-4108-AA02-DFA0A04FC94B}">
+                <ma14:wrappingTextBoxFlag xmlns="" xmlns:m="http://schemas.openxmlformats.org/officeDocument/2006/math" xmlns:a14="http://schemas.microsoft.com/office/drawing/2010/main" xmlns:ma14="http://schemas.microsoft.com/office/mac/drawingml/2011/main" val="1"/>
+              </a:ext>
+            </a:extLst>
+          </p:spPr>
+          <p:txBody>
+            <a:bodyPr wrap="none" lIns="45718" tIns="45718" rIns="45718" bIns="45718">
+              <a:spAutoFit/>
+            </a:bodyPr>
+            <a:lstStyle/>
+            <a:p>
+              <a:pPr algn="ctr">
+                <a:defRPr sz="1300">
+                  <a:latin typeface="+mn-lt"/>
+                  <a:ea typeface="+mn-ea"/>
+                  <a:cs typeface="+mn-cs"/>
+                  <a:sym typeface="맑은 고딕"/>
+                </a:defRPr>
+              </a:pPr>
+              <a:r>
+                <a:rPr sz="1200" dirty="0" err="1"/>
+                <a:t>대여기간</a:t>
+              </a:r>
+              <a:r>
+                <a:rPr sz="1200" dirty="0"/>
+                <a:t> 6/12까지</a:t>
+              </a:r>
+            </a:p>
+            <a:p>
+              <a:pPr algn="ctr">
+                <a:defRPr sz="1300">
+                  <a:latin typeface="+mn-lt"/>
+                  <a:ea typeface="+mn-ea"/>
+                  <a:cs typeface="+mn-cs"/>
+                  <a:sym typeface="맑은 고딕"/>
+                </a:defRPr>
+              </a:pPr>
+              <a:r>
+                <a:rPr sz="1200" dirty="0"/>
+                <a:t>300,000원</a:t>
+              </a:r>
+            </a:p>
+          </p:txBody>
+        </p:sp>
+        <p:sp>
+          <p:nvSpPr>
+            <p:cNvPr id="142" name="2020 아이패드"/>
+            <p:cNvSpPr txBox="1"/>
+            <p:nvPr/>
+          </p:nvSpPr>
+          <p:spPr>
+            <a:xfrm>
+              <a:off x="4367898" y="3677575"/>
+              <a:ext cx="1493098" cy="276995"/>
+            </a:xfrm>
+            <a:prstGeom prst="rect">
+              <a:avLst/>
+            </a:prstGeom>
+            <a:ln w="12700">
+              <a:miter lim="400000"/>
+            </a:ln>
+            <a:extLst>
+              <a:ext uri="{C572A759-6A51-4108-AA02-DFA0A04FC94B}">
+                <ma14:wrappingTextBoxFlag xmlns="" xmlns:m="http://schemas.openxmlformats.org/officeDocument/2006/math" xmlns:a14="http://schemas.microsoft.com/office/drawing/2010/main" xmlns:ma14="http://schemas.microsoft.com/office/mac/drawingml/2011/main" val="1"/>
+              </a:ext>
+            </a:extLst>
+          </p:spPr>
+          <p:txBody>
+            <a:bodyPr lIns="45718" tIns="45718" rIns="45718" bIns="45718">
+              <a:spAutoFit/>
+            </a:bodyPr>
+            <a:lstStyle>
+              <a:lvl1pPr algn="ctr">
+                <a:defRPr>
+                  <a:latin typeface="+mn-lt"/>
+                  <a:ea typeface="+mn-ea"/>
+                  <a:cs typeface="+mn-cs"/>
+                  <a:sym typeface="맑은 고딕"/>
+                </a:defRPr>
+              </a:lvl1pPr>
+            </a:lstStyle>
+            <a:p>
+              <a:r>
+                <a:rPr sz="1200"/>
+                <a:t>2020 아이패드</a:t>
+              </a:r>
+            </a:p>
+          </p:txBody>
+        </p:sp>
+        <p:sp>
+          <p:nvSpPr>
+            <p:cNvPr id="143" name="대여기간 6/12까지…"/>
+            <p:cNvSpPr txBox="1"/>
+            <p:nvPr/>
+          </p:nvSpPr>
+          <p:spPr>
+            <a:xfrm>
+              <a:off x="4382169" y="4033718"/>
+              <a:ext cx="1385953" cy="461661"/>
+            </a:xfrm>
+            <a:prstGeom prst="rect">
+              <a:avLst/>
+            </a:prstGeom>
+            <a:ln w="12700">
+              <a:miter lim="400000"/>
+            </a:ln>
+            <a:extLst>
+              <a:ext uri="{C572A759-6A51-4108-AA02-DFA0A04FC94B}">
+                <ma14:wrappingTextBoxFlag xmlns="" xmlns:m="http://schemas.openxmlformats.org/officeDocument/2006/math" xmlns:a14="http://schemas.microsoft.com/office/drawing/2010/main" xmlns:ma14="http://schemas.microsoft.com/office/mac/drawingml/2011/main" val="1"/>
+              </a:ext>
+            </a:extLst>
+          </p:spPr>
+          <p:txBody>
+            <a:bodyPr wrap="none" lIns="45718" tIns="45718" rIns="45718" bIns="45718">
+              <a:spAutoFit/>
+            </a:bodyPr>
+            <a:lstStyle/>
+            <a:p>
+              <a:pPr algn="ctr">
+                <a:defRPr sz="1300">
+                  <a:latin typeface="+mn-lt"/>
+                  <a:ea typeface="+mn-ea"/>
+                  <a:cs typeface="+mn-cs"/>
+                  <a:sym typeface="맑은 고딕"/>
+                </a:defRPr>
+              </a:pPr>
+              <a:r>
+                <a:rPr sz="1200" dirty="0" err="1"/>
+                <a:t>대여기간</a:t>
+              </a:r>
+              <a:r>
+                <a:rPr sz="1200" dirty="0"/>
+                <a:t> 6/12까지</a:t>
+              </a:r>
+            </a:p>
+            <a:p>
+              <a:pPr algn="ctr">
+                <a:defRPr sz="1300">
+                  <a:latin typeface="+mn-lt"/>
+                  <a:ea typeface="+mn-ea"/>
+                  <a:cs typeface="+mn-cs"/>
+                  <a:sym typeface="맑은 고딕"/>
+                </a:defRPr>
+              </a:pPr>
+              <a:r>
+                <a:rPr sz="1200" dirty="0"/>
+                <a:t>300,000원</a:t>
+              </a:r>
+            </a:p>
+          </p:txBody>
+        </p:sp>
+        <p:sp>
+          <p:nvSpPr>
+            <p:cNvPr id="144" name="2018 맥미니"/>
+            <p:cNvSpPr txBox="1"/>
+            <p:nvPr/>
+          </p:nvSpPr>
+          <p:spPr>
+            <a:xfrm>
+              <a:off x="6325673" y="3606663"/>
+              <a:ext cx="1493097" cy="276995"/>
+            </a:xfrm>
+            <a:prstGeom prst="rect">
+              <a:avLst/>
+            </a:prstGeom>
+            <a:ln w="12700">
+              <a:miter lim="400000"/>
+            </a:ln>
+            <a:extLst>
+              <a:ext uri="{C572A759-6A51-4108-AA02-DFA0A04FC94B}">
+                <ma14:wrappingTextBoxFlag xmlns="" xmlns:m="http://schemas.openxmlformats.org/officeDocument/2006/math" xmlns:a14="http://schemas.microsoft.com/office/drawing/2010/main" xmlns:ma14="http://schemas.microsoft.com/office/mac/drawingml/2011/main" val="1"/>
+              </a:ext>
+            </a:extLst>
+          </p:spPr>
+          <p:txBody>
+            <a:bodyPr lIns="45718" tIns="45718" rIns="45718" bIns="45718">
+              <a:spAutoFit/>
+            </a:bodyPr>
+            <a:lstStyle>
+              <a:lvl1pPr algn="ctr">
+                <a:defRPr>
+                  <a:latin typeface="+mn-lt"/>
+                  <a:ea typeface="+mn-ea"/>
+                  <a:cs typeface="+mn-cs"/>
+                  <a:sym typeface="맑은 고딕"/>
+                </a:defRPr>
+              </a:lvl1pPr>
+            </a:lstStyle>
+            <a:p>
+              <a:r>
+                <a:rPr sz="1200"/>
+                <a:t>2018 맥미니</a:t>
+              </a:r>
+            </a:p>
+          </p:txBody>
+        </p:sp>
+        <p:sp>
+          <p:nvSpPr>
+            <p:cNvPr id="145" name="대여기간 6/12까지…"/>
+            <p:cNvSpPr txBox="1"/>
+            <p:nvPr/>
+          </p:nvSpPr>
+          <p:spPr>
+            <a:xfrm>
+              <a:off x="6339945" y="3962806"/>
+              <a:ext cx="1385953" cy="461661"/>
+            </a:xfrm>
+            <a:prstGeom prst="rect">
+              <a:avLst/>
+            </a:prstGeom>
+            <a:ln w="12700">
+              <a:miter lim="400000"/>
+            </a:ln>
+            <a:extLst>
+              <a:ext uri="{C572A759-6A51-4108-AA02-DFA0A04FC94B}">
+                <ma14:wrappingTextBoxFlag xmlns="" xmlns:m="http://schemas.openxmlformats.org/officeDocument/2006/math" xmlns:a14="http://schemas.microsoft.com/office/drawing/2010/main" xmlns:ma14="http://schemas.microsoft.com/office/mac/drawingml/2011/main" val="1"/>
+              </a:ext>
+            </a:extLst>
+          </p:spPr>
+          <p:txBody>
+            <a:bodyPr wrap="none" lIns="45718" tIns="45718" rIns="45718" bIns="45718">
+              <a:spAutoFit/>
+            </a:bodyPr>
+            <a:lstStyle/>
+            <a:p>
+              <a:pPr algn="ctr">
+                <a:defRPr sz="1300">
+                  <a:latin typeface="+mn-lt"/>
+                  <a:ea typeface="+mn-ea"/>
+                  <a:cs typeface="+mn-cs"/>
+                  <a:sym typeface="맑은 고딕"/>
+                </a:defRPr>
+              </a:pPr>
+              <a:r>
+                <a:rPr sz="1200"/>
+                <a:t>대여기간 6/12까지</a:t>
+              </a:r>
+            </a:p>
+            <a:p>
+              <a:pPr algn="ctr">
+                <a:defRPr sz="1300">
+                  <a:latin typeface="+mn-lt"/>
+                  <a:ea typeface="+mn-ea"/>
+                  <a:cs typeface="+mn-cs"/>
+                  <a:sym typeface="맑은 고딕"/>
+                </a:defRPr>
+              </a:pPr>
+              <a:r>
+                <a:rPr sz="1200"/>
+                <a:t>300,000원</a:t>
+              </a:r>
+            </a:p>
+          </p:txBody>
+        </p:sp>
+        <p:sp>
+          <p:nvSpPr>
+            <p:cNvPr id="146" name="2020 맥북프로"/>
+            <p:cNvSpPr txBox="1"/>
+            <p:nvPr/>
+          </p:nvSpPr>
+          <p:spPr>
+            <a:xfrm>
+              <a:off x="513840" y="5715880"/>
+              <a:ext cx="1493096" cy="276995"/>
+            </a:xfrm>
+            <a:prstGeom prst="rect">
+              <a:avLst/>
+            </a:prstGeom>
+            <a:ln w="12700">
+              <a:miter lim="400000"/>
+            </a:ln>
+            <a:extLst>
+              <a:ext uri="{C572A759-6A51-4108-AA02-DFA0A04FC94B}">
+                <ma14:wrappingTextBoxFlag xmlns="" xmlns:m="http://schemas.openxmlformats.org/officeDocument/2006/math" xmlns:a14="http://schemas.microsoft.com/office/drawing/2010/main" xmlns:ma14="http://schemas.microsoft.com/office/mac/drawingml/2011/main" val="1"/>
+              </a:ext>
+            </a:extLst>
+          </p:spPr>
+          <p:txBody>
+            <a:bodyPr lIns="45718" tIns="45718" rIns="45718" bIns="45718">
+              <a:spAutoFit/>
+            </a:bodyPr>
+            <a:lstStyle>
+              <a:lvl1pPr algn="ctr">
+                <a:defRPr>
+                  <a:latin typeface="+mn-lt"/>
+                  <a:ea typeface="+mn-ea"/>
+                  <a:cs typeface="+mn-cs"/>
+                  <a:sym typeface="맑은 고딕"/>
+                </a:defRPr>
+              </a:lvl1pPr>
+            </a:lstStyle>
+            <a:p>
+              <a:r>
+                <a:rPr sz="1200"/>
+                <a:t>2020 맥북프로</a:t>
+              </a:r>
+            </a:p>
+          </p:txBody>
+        </p:sp>
+        <p:sp>
+          <p:nvSpPr>
+            <p:cNvPr id="147" name="대여기간 6/12까지…"/>
+            <p:cNvSpPr txBox="1"/>
+            <p:nvPr/>
+          </p:nvSpPr>
+          <p:spPr>
+            <a:xfrm>
+              <a:off x="528111" y="6072025"/>
+              <a:ext cx="1385953" cy="461661"/>
+            </a:xfrm>
+            <a:prstGeom prst="rect">
+              <a:avLst/>
+            </a:prstGeom>
+            <a:ln w="12700">
+              <a:miter lim="400000"/>
+            </a:ln>
+            <a:extLst>
+              <a:ext uri="{C572A759-6A51-4108-AA02-DFA0A04FC94B}">
+                <ma14:wrappingTextBoxFlag xmlns="" xmlns:m="http://schemas.openxmlformats.org/officeDocument/2006/math" xmlns:a14="http://schemas.microsoft.com/office/drawing/2010/main" xmlns:ma14="http://schemas.microsoft.com/office/mac/drawingml/2011/main" val="1"/>
+              </a:ext>
+            </a:extLst>
+          </p:spPr>
+          <p:txBody>
+            <a:bodyPr wrap="none" lIns="45718" tIns="45718" rIns="45718" bIns="45718">
+              <a:spAutoFit/>
+            </a:bodyPr>
+            <a:lstStyle/>
+            <a:p>
+              <a:pPr algn="ctr">
+                <a:defRPr sz="1300">
+                  <a:latin typeface="+mn-lt"/>
+                  <a:ea typeface="+mn-ea"/>
+                  <a:cs typeface="+mn-cs"/>
+                  <a:sym typeface="맑은 고딕"/>
+                </a:defRPr>
+              </a:pPr>
+              <a:r>
+                <a:rPr sz="1200"/>
+                <a:t>대여기간 6/12까지</a:t>
+              </a:r>
+            </a:p>
+            <a:p>
+              <a:pPr algn="ctr">
+                <a:defRPr sz="1300">
+                  <a:latin typeface="+mn-lt"/>
+                  <a:ea typeface="+mn-ea"/>
+                  <a:cs typeface="+mn-cs"/>
+                  <a:sym typeface="맑은 고딕"/>
+                </a:defRPr>
+              </a:pPr>
+              <a:r>
+                <a:rPr sz="1200"/>
+                <a:t>300,000원</a:t>
+              </a:r>
+            </a:p>
+          </p:txBody>
+        </p:sp>
+        <p:sp>
+          <p:nvSpPr>
+            <p:cNvPr id="148" name="2020 맥북프로"/>
+            <p:cNvSpPr txBox="1"/>
+            <p:nvPr/>
+          </p:nvSpPr>
+          <p:spPr>
+            <a:xfrm>
+              <a:off x="2372809" y="5700424"/>
+              <a:ext cx="1493099" cy="276995"/>
+            </a:xfrm>
+            <a:prstGeom prst="rect">
+              <a:avLst/>
+            </a:prstGeom>
+            <a:ln w="12700">
+              <a:miter lim="400000"/>
+            </a:ln>
+            <a:extLst>
+              <a:ext uri="{C572A759-6A51-4108-AA02-DFA0A04FC94B}">
+                <ma14:wrappingTextBoxFlag xmlns="" xmlns:m="http://schemas.openxmlformats.org/officeDocument/2006/math" xmlns:a14="http://schemas.microsoft.com/office/drawing/2010/main" xmlns:ma14="http://schemas.microsoft.com/office/mac/drawingml/2011/main" val="1"/>
+              </a:ext>
+            </a:extLst>
+          </p:spPr>
+          <p:txBody>
+            <a:bodyPr lIns="45718" tIns="45718" rIns="45718" bIns="45718">
+              <a:spAutoFit/>
+            </a:bodyPr>
+            <a:lstStyle>
+              <a:lvl1pPr algn="ctr">
+                <a:defRPr>
+                  <a:latin typeface="+mn-lt"/>
+                  <a:ea typeface="+mn-ea"/>
+                  <a:cs typeface="+mn-cs"/>
+                  <a:sym typeface="맑은 고딕"/>
+                </a:defRPr>
+              </a:lvl1pPr>
+            </a:lstStyle>
+            <a:p>
+              <a:r>
+                <a:rPr sz="1200"/>
+                <a:t>2020 맥북프로</a:t>
+              </a:r>
+            </a:p>
+          </p:txBody>
+        </p:sp>
+        <p:sp>
+          <p:nvSpPr>
+            <p:cNvPr id="149" name="대여기간 6/12까지…"/>
+            <p:cNvSpPr txBox="1"/>
+            <p:nvPr/>
+          </p:nvSpPr>
+          <p:spPr>
+            <a:xfrm>
+              <a:off x="2387082" y="6056567"/>
+              <a:ext cx="1385953" cy="461661"/>
+            </a:xfrm>
+            <a:prstGeom prst="rect">
+              <a:avLst/>
+            </a:prstGeom>
+            <a:ln w="12700">
+              <a:miter lim="400000"/>
+            </a:ln>
+            <a:extLst>
+              <a:ext uri="{C572A759-6A51-4108-AA02-DFA0A04FC94B}">
+                <ma14:wrappingTextBoxFlag xmlns="" xmlns:m="http://schemas.openxmlformats.org/officeDocument/2006/math" xmlns:a14="http://schemas.microsoft.com/office/drawing/2010/main" xmlns:ma14="http://schemas.microsoft.com/office/mac/drawingml/2011/main" val="1"/>
+              </a:ext>
+            </a:extLst>
+          </p:spPr>
+          <p:txBody>
+            <a:bodyPr wrap="none" lIns="45718" tIns="45718" rIns="45718" bIns="45718">
+              <a:spAutoFit/>
+            </a:bodyPr>
+            <a:lstStyle/>
+            <a:p>
+              <a:pPr algn="ctr">
+                <a:defRPr sz="1300">
+                  <a:latin typeface="+mn-lt"/>
+                  <a:ea typeface="+mn-ea"/>
+                  <a:cs typeface="+mn-cs"/>
+                  <a:sym typeface="맑은 고딕"/>
+                </a:defRPr>
+              </a:pPr>
+              <a:r>
+                <a:rPr sz="1200"/>
+                <a:t>대여기간 6/12까지</a:t>
+              </a:r>
+            </a:p>
+            <a:p>
+              <a:pPr algn="ctr">
+                <a:defRPr sz="1300">
+                  <a:latin typeface="+mn-lt"/>
+                  <a:ea typeface="+mn-ea"/>
+                  <a:cs typeface="+mn-cs"/>
+                  <a:sym typeface="맑은 고딕"/>
+                </a:defRPr>
+              </a:pPr>
+              <a:r>
+                <a:rPr sz="1200"/>
+                <a:t>300,000원</a:t>
+              </a:r>
+            </a:p>
+          </p:txBody>
+        </p:sp>
+        <p:sp>
+          <p:nvSpPr>
+            <p:cNvPr id="150" name="2020 맥북프로"/>
+            <p:cNvSpPr txBox="1"/>
+            <p:nvPr/>
+          </p:nvSpPr>
+          <p:spPr>
+            <a:xfrm>
+              <a:off x="4330586" y="5715880"/>
+              <a:ext cx="1493097" cy="276995"/>
+            </a:xfrm>
+            <a:prstGeom prst="rect">
+              <a:avLst/>
+            </a:prstGeom>
+            <a:ln w="12700">
+              <a:miter lim="400000"/>
+            </a:ln>
+            <a:extLst>
+              <a:ext uri="{C572A759-6A51-4108-AA02-DFA0A04FC94B}">
+                <ma14:wrappingTextBoxFlag xmlns="" xmlns:m="http://schemas.openxmlformats.org/officeDocument/2006/math" xmlns:a14="http://schemas.microsoft.com/office/drawing/2010/main" xmlns:ma14="http://schemas.microsoft.com/office/mac/drawingml/2011/main" val="1"/>
+              </a:ext>
+            </a:extLst>
+          </p:spPr>
+          <p:txBody>
+            <a:bodyPr lIns="45718" tIns="45718" rIns="45718" bIns="45718">
+              <a:spAutoFit/>
+            </a:bodyPr>
+            <a:lstStyle>
+              <a:lvl1pPr algn="ctr">
+                <a:defRPr>
+                  <a:latin typeface="+mn-lt"/>
+                  <a:ea typeface="+mn-ea"/>
+                  <a:cs typeface="+mn-cs"/>
+                  <a:sym typeface="맑은 고딕"/>
+                </a:defRPr>
+              </a:lvl1pPr>
+            </a:lstStyle>
+            <a:p>
+              <a:r>
+                <a:rPr sz="1200"/>
+                <a:t>2020 맥북프로</a:t>
+              </a:r>
+            </a:p>
+          </p:txBody>
+        </p:sp>
+        <p:sp>
+          <p:nvSpPr>
+            <p:cNvPr id="151" name="대여기간 6/12까지…"/>
+            <p:cNvSpPr txBox="1"/>
+            <p:nvPr/>
+          </p:nvSpPr>
+          <p:spPr>
+            <a:xfrm>
+              <a:off x="4344857" y="6072025"/>
+              <a:ext cx="1385953" cy="461661"/>
+            </a:xfrm>
+            <a:prstGeom prst="rect">
+              <a:avLst/>
+            </a:prstGeom>
+            <a:ln w="12700">
+              <a:miter lim="400000"/>
+            </a:ln>
+            <a:extLst>
+              <a:ext uri="{C572A759-6A51-4108-AA02-DFA0A04FC94B}">
+                <ma14:wrappingTextBoxFlag xmlns="" xmlns:m="http://schemas.openxmlformats.org/officeDocument/2006/math" xmlns:a14="http://schemas.microsoft.com/office/drawing/2010/main" xmlns:ma14="http://schemas.microsoft.com/office/mac/drawingml/2011/main" val="1"/>
+              </a:ext>
+            </a:extLst>
+          </p:spPr>
+          <p:txBody>
+            <a:bodyPr wrap="none" lIns="45718" tIns="45718" rIns="45718" bIns="45718">
+              <a:spAutoFit/>
+            </a:bodyPr>
+            <a:lstStyle/>
+            <a:p>
+              <a:pPr algn="ctr">
+                <a:defRPr sz="1300">
+                  <a:latin typeface="+mn-lt"/>
+                  <a:ea typeface="+mn-ea"/>
+                  <a:cs typeface="+mn-cs"/>
+                  <a:sym typeface="맑은 고딕"/>
+                </a:defRPr>
+              </a:pPr>
+              <a:r>
+                <a:rPr sz="1200"/>
+                <a:t>대여기간 6/12까지</a:t>
+              </a:r>
+            </a:p>
+            <a:p>
+              <a:pPr algn="ctr">
+                <a:defRPr sz="1300">
+                  <a:latin typeface="+mn-lt"/>
+                  <a:ea typeface="+mn-ea"/>
+                  <a:cs typeface="+mn-cs"/>
+                  <a:sym typeface="맑은 고딕"/>
+                </a:defRPr>
+              </a:pPr>
+              <a:r>
+                <a:rPr sz="1200"/>
+                <a:t>300,000원</a:t>
+              </a:r>
+            </a:p>
+          </p:txBody>
+        </p:sp>
+        <p:sp>
+          <p:nvSpPr>
+            <p:cNvPr id="152" name="2020 맥북프로"/>
+            <p:cNvSpPr txBox="1"/>
+            <p:nvPr/>
+          </p:nvSpPr>
+          <p:spPr>
+            <a:xfrm>
+              <a:off x="6288363" y="5644970"/>
+              <a:ext cx="1493097" cy="276995"/>
+            </a:xfrm>
+            <a:prstGeom prst="rect">
+              <a:avLst/>
+            </a:prstGeom>
+            <a:ln w="12700">
+              <a:miter lim="400000"/>
+            </a:ln>
+            <a:extLst>
+              <a:ext uri="{C572A759-6A51-4108-AA02-DFA0A04FC94B}">
+                <ma14:wrappingTextBoxFlag xmlns="" xmlns:m="http://schemas.openxmlformats.org/officeDocument/2006/math" xmlns:a14="http://schemas.microsoft.com/office/drawing/2010/main" xmlns:ma14="http://schemas.microsoft.com/office/mac/drawingml/2011/main" val="1"/>
+              </a:ext>
+            </a:extLst>
+          </p:spPr>
+          <p:txBody>
+            <a:bodyPr lIns="45718" tIns="45718" rIns="45718" bIns="45718">
+              <a:spAutoFit/>
+            </a:bodyPr>
+            <a:lstStyle>
+              <a:lvl1pPr algn="ctr">
+                <a:defRPr>
+                  <a:latin typeface="+mn-lt"/>
+                  <a:ea typeface="+mn-ea"/>
+                  <a:cs typeface="+mn-cs"/>
+                  <a:sym typeface="맑은 고딕"/>
+                </a:defRPr>
+              </a:lvl1pPr>
+            </a:lstStyle>
+            <a:p>
+              <a:r>
+                <a:rPr sz="1200"/>
+                <a:t>2020 맥북프로</a:t>
+              </a:r>
+            </a:p>
+          </p:txBody>
+        </p:sp>
+        <p:sp>
+          <p:nvSpPr>
+            <p:cNvPr id="153" name="대여기간 6/12까지…"/>
+            <p:cNvSpPr txBox="1"/>
+            <p:nvPr/>
+          </p:nvSpPr>
+          <p:spPr>
+            <a:xfrm>
+              <a:off x="6302634" y="6001113"/>
+              <a:ext cx="1385953" cy="461661"/>
+            </a:xfrm>
+            <a:prstGeom prst="rect">
+              <a:avLst/>
+            </a:prstGeom>
+            <a:ln w="12700">
+              <a:miter lim="400000"/>
+            </a:ln>
+            <a:extLst>
+              <a:ext uri="{C572A759-6A51-4108-AA02-DFA0A04FC94B}">
+                <ma14:wrappingTextBoxFlag xmlns="" xmlns:m="http://schemas.openxmlformats.org/officeDocument/2006/math" xmlns:a14="http://schemas.microsoft.com/office/drawing/2010/main" xmlns:ma14="http://schemas.microsoft.com/office/mac/drawingml/2011/main" val="1"/>
+              </a:ext>
+            </a:extLst>
+          </p:spPr>
+          <p:txBody>
+            <a:bodyPr wrap="none" lIns="45718" tIns="45718" rIns="45718" bIns="45718">
+              <a:spAutoFit/>
+            </a:bodyPr>
+            <a:lstStyle/>
+            <a:p>
+              <a:pPr algn="ctr">
+                <a:defRPr sz="1300">
+                  <a:latin typeface="+mn-lt"/>
+                  <a:ea typeface="+mn-ea"/>
+                  <a:cs typeface="+mn-cs"/>
+                  <a:sym typeface="맑은 고딕"/>
+                </a:defRPr>
+              </a:pPr>
+              <a:r>
+                <a:rPr sz="1200"/>
+                <a:t>대여기간 6/12까지</a:t>
+              </a:r>
+            </a:p>
+            <a:p>
+              <a:pPr algn="ctr">
+                <a:defRPr sz="1300">
+                  <a:latin typeface="+mn-lt"/>
+                  <a:ea typeface="+mn-ea"/>
+                  <a:cs typeface="+mn-cs"/>
+                  <a:sym typeface="맑은 고딕"/>
+                </a:defRPr>
+              </a:pPr>
+              <a:r>
+                <a:rPr sz="1200"/>
+                <a:t>300,000원</a:t>
+              </a:r>
+            </a:p>
+          </p:txBody>
+        </p:sp>
+      </p:grpSp>
+      <p:grpSp>
+        <p:nvGrpSpPr>
+          <p:cNvPr id="159" name="Google Shape;173;g7c553259d1_0_81"/>
+          <p:cNvGrpSpPr/>
+          <p:nvPr/>
+        </p:nvGrpSpPr>
+        <p:grpSpPr>
+          <a:xfrm>
+            <a:off x="430061" y="2658663"/>
+            <a:ext cx="302704" cy="370799"/>
+            <a:chOff x="0" y="-1"/>
+            <a:chExt cx="302702" cy="370798"/>
+          </a:xfrm>
+        </p:grpSpPr>
+        <p:sp>
+          <p:nvSpPr>
+            <p:cNvPr id="157" name="직사각형"/>
+            <p:cNvSpPr/>
+            <p:nvPr/>
+          </p:nvSpPr>
+          <p:spPr>
+            <a:xfrm>
+              <a:off x="0" y="23099"/>
+              <a:ext cx="302703" cy="324604"/>
+            </a:xfrm>
+            <a:prstGeom prst="rect">
+              <a:avLst/>
+            </a:prstGeom>
+            <a:solidFill>
+              <a:srgbClr val="FF0000"/>
+            </a:solidFill>
+            <a:ln w="12700" cap="flat">
+              <a:noFill/>
+              <a:miter lim="400000"/>
+            </a:ln>
+            <a:effectLst/>
+          </p:spPr>
+          <p:txBody>
+            <a:bodyPr wrap="square" lIns="45718" tIns="45718" rIns="45718" bIns="45718" numCol="1" anchor="ctr">
+              <a:noAutofit/>
+            </a:bodyPr>
+            <a:lstStyle/>
+            <a:p>
+              <a:pPr algn="ctr">
+                <a:defRPr b="1">
+                  <a:latin typeface="Malgun Gothic"/>
+                  <a:ea typeface="Malgun Gothic"/>
+                  <a:cs typeface="Malgun Gothic"/>
+                  <a:sym typeface="Malgun Gothic"/>
+                </a:defRPr>
+              </a:pPr>
+              <a:endParaRPr/>
+            </a:p>
+          </p:txBody>
+        </p:sp>
+        <p:sp>
+          <p:nvSpPr>
+            <p:cNvPr id="158" name="2"/>
+            <p:cNvSpPr txBox="1"/>
+            <p:nvPr/>
+          </p:nvSpPr>
+          <p:spPr>
+            <a:xfrm>
+              <a:off x="45724" y="-2"/>
+              <a:ext cx="211253" cy="370799"/>
+            </a:xfrm>
+            <a:prstGeom prst="rect">
+              <a:avLst/>
+            </a:prstGeom>
+            <a:noFill/>
+            <a:ln w="12700" cap="flat">
+              <a:noFill/>
+              <a:miter lim="400000"/>
+            </a:ln>
+            <a:effectLst/>
+            <a:extLst>
+              <a:ext uri="{C572A759-6A51-4108-AA02-DFA0A04FC94B}">
+                <ma14:wrappingTextBoxFlag xmlns="" xmlns:m="http://schemas.openxmlformats.org/officeDocument/2006/math" xmlns:a14="http://schemas.microsoft.com/office/drawing/2010/main" xmlns:ma14="http://schemas.microsoft.com/office/mac/drawingml/2011/main" val="1"/>
+              </a:ext>
+            </a:extLst>
+          </p:spPr>
+          <p:txBody>
+            <a:bodyPr wrap="square" lIns="45699" tIns="45699" rIns="45699" bIns="45699" numCol="1" anchor="ctr">
+              <a:spAutoFit/>
+            </a:bodyPr>
+            <a:lstStyle>
+              <a:lvl1pPr algn="ctr">
+                <a:defRPr b="1">
+                  <a:latin typeface="Malgun Gothic"/>
+                  <a:ea typeface="Malgun Gothic"/>
+                  <a:cs typeface="Malgun Gothic"/>
+                  <a:sym typeface="Malgun Gothic"/>
+                </a:defRPr>
+              </a:lvl1pPr>
+            </a:lstStyle>
+            <a:p>
+              <a:r>
+                <a:t>2</a:t>
+              </a:r>
+            </a:p>
+          </p:txBody>
+        </p:sp>
+      </p:grpSp>
+      <p:pic>
+        <p:nvPicPr>
+          <p:cNvPr id="2" name="그림 1"/>
+          <p:cNvPicPr>
+            <a:picLocks noChangeAspect="1"/>
+          </p:cNvPicPr>
+          <p:nvPr/>
+        </p:nvPicPr>
+        <p:blipFill>
+          <a:blip r:embed="rId6">
+            <a:extLst>
+              <a:ext uri="{28A0092B-C50C-407E-A947-70E740481C1C}">
+                <a14:useLocalDpi xmlns:a14="http://schemas.microsoft.com/office/drawing/2010/main" val="0"/>
+              </a:ext>
+            </a:extLst>
+          </a:blip>
+          <a:stretch>
+            <a:fillRect/>
+          </a:stretch>
+        </p:blipFill>
+        <p:spPr>
+          <a:xfrm>
+            <a:off x="463540" y="1427295"/>
+            <a:ext cx="7215612" cy="699496"/>
+          </a:xfrm>
+          <a:prstGeom prst="rect">
+            <a:avLst/>
+          </a:prstGeom>
+          <a:ln w="38100" cap="sq">
+            <a:solidFill>
+              <a:srgbClr val="000000"/>
+            </a:solidFill>
+            <a:prstDash val="solid"/>
+            <a:miter lim="800000"/>
+          </a:ln>
+          <a:effectLst>
+            <a:outerShdw blurRad="50800" dist="38100" dir="2700000" algn="tl" rotWithShape="0">
+              <a:srgbClr val="000000">
+                <a:alpha val="43000"/>
+              </a:srgbClr>
+            </a:outerShdw>
+          </a:effectLst>
+        </p:spPr>
+      </p:pic>
+      <p:grpSp>
+        <p:nvGrpSpPr>
+          <p:cNvPr id="156" name="Google Shape;173;g7c553259d1_0_81"/>
+          <p:cNvGrpSpPr/>
+          <p:nvPr/>
+        </p:nvGrpSpPr>
+        <p:grpSpPr>
+          <a:xfrm>
+            <a:off x="278709" y="1287817"/>
+            <a:ext cx="302704" cy="370799"/>
+            <a:chOff x="0" y="-1"/>
+            <a:chExt cx="302702" cy="370798"/>
+          </a:xfrm>
+        </p:grpSpPr>
+        <p:sp>
+          <p:nvSpPr>
+            <p:cNvPr id="154" name="직사각형"/>
+            <p:cNvSpPr/>
+            <p:nvPr/>
+          </p:nvSpPr>
+          <p:spPr>
+            <a:xfrm>
+              <a:off x="0" y="23099"/>
+              <a:ext cx="302703" cy="324604"/>
+            </a:xfrm>
+            <a:prstGeom prst="rect">
+              <a:avLst/>
+            </a:prstGeom>
+            <a:solidFill>
+              <a:srgbClr val="FF0000"/>
+            </a:solidFill>
+            <a:ln w="12700" cap="flat">
+              <a:noFill/>
+              <a:miter lim="400000"/>
+            </a:ln>
+            <a:effectLst/>
+          </p:spPr>
+          <p:txBody>
+            <a:bodyPr wrap="square" lIns="45718" tIns="45718" rIns="45718" bIns="45718" numCol="1" anchor="ctr">
+              <a:noAutofit/>
+            </a:bodyPr>
+            <a:lstStyle/>
+            <a:p>
+              <a:pPr algn="ctr">
+                <a:defRPr b="1">
+                  <a:latin typeface="Malgun Gothic"/>
+                  <a:ea typeface="Malgun Gothic"/>
+                  <a:cs typeface="Malgun Gothic"/>
+                  <a:sym typeface="Malgun Gothic"/>
+                </a:defRPr>
+              </a:pPr>
+              <a:endParaRPr/>
+            </a:p>
+          </p:txBody>
+        </p:sp>
+        <p:sp>
+          <p:nvSpPr>
+            <p:cNvPr id="155" name="1"/>
+            <p:cNvSpPr txBox="1"/>
+            <p:nvPr/>
+          </p:nvSpPr>
+          <p:spPr>
+            <a:xfrm>
+              <a:off x="45724" y="-2"/>
+              <a:ext cx="211253" cy="370799"/>
+            </a:xfrm>
+            <a:prstGeom prst="rect">
+              <a:avLst/>
+            </a:prstGeom>
+            <a:noFill/>
+            <a:ln w="12700" cap="flat">
+              <a:noFill/>
+              <a:miter lim="400000"/>
+            </a:ln>
+            <a:effectLst/>
+            <a:extLst>
+              <a:ext uri="{C572A759-6A51-4108-AA02-DFA0A04FC94B}">
+                <ma14:wrappingTextBoxFlag xmlns="" xmlns:m="http://schemas.openxmlformats.org/officeDocument/2006/math" xmlns:a14="http://schemas.microsoft.com/office/drawing/2010/main" xmlns:ma14="http://schemas.microsoft.com/office/mac/drawingml/2011/main" val="1"/>
+              </a:ext>
+            </a:extLst>
+          </p:spPr>
+          <p:txBody>
+            <a:bodyPr wrap="square" lIns="45699" tIns="45699" rIns="45699" bIns="45699" numCol="1" anchor="ctr">
+              <a:spAutoFit/>
+            </a:bodyPr>
+            <a:lstStyle>
+              <a:lvl1pPr algn="ctr">
+                <a:defRPr b="1">
+                  <a:latin typeface="Malgun Gothic"/>
+                  <a:ea typeface="Malgun Gothic"/>
+                  <a:cs typeface="Malgun Gothic"/>
+                  <a:sym typeface="Malgun Gothic"/>
+                </a:defRPr>
+              </a:lvl1pPr>
+            </a:lstStyle>
+            <a:p>
+              <a:r>
+                <a:rPr dirty="0"/>
+                <a:t>1</a:t>
+              </a:r>
+            </a:p>
+          </p:txBody>
+        </p:sp>
+      </p:grpSp>
+    </p:spTree>
+    <p:extLst>
+      <p:ext uri="{BB962C8B-B14F-4D97-AF65-F5344CB8AC3E}">
+        <p14:creationId xmlns:p14="http://schemas.microsoft.com/office/powerpoint/2010/main" val="2404583995"/>
+      </p:ext>
+    </p:extLst>
+  </p:cSld>
+  <p:clrMapOvr>
+    <a:masterClrMapping/>
+  </p:clrMapOvr>
+  <mc:AlternateContent xmlns:mc="http://schemas.openxmlformats.org/markup-compatibility/2006">
+    <mc:Choice xmlns:p14="http://schemas.microsoft.com/office/powerpoint/2010/main" Requires="p14">
+      <p:transition spd="slow" p14:dur="2000"/>
+    </mc:Choice>
+    <mc:Fallback>
+      <p:transition spd="slow"/>
+    </mc:Fallback>
+  </mc:AlternateContent>
+  <p:timing>
+    <p:tnLst>
+      <p:par>
+        <p:cTn id="1" dur="indefinite" restart="never" nodeType="tmRoot"/>
+      </p:par>
+    </p:tnLst>
+  </p:timing>
+</p:sld>
+</file>
+
+<file path=ppt/slides/slide3.xml><?xml version="1.0" encoding="utf-8"?>
+<p:sld xmlns:a="http://schemas.openxmlformats.org/drawingml/2006/main" xmlns:r="http://schemas.openxmlformats.org/officeDocument/2006/relationships" xmlns:p="http://schemas.openxmlformats.org/presentationml/2006/main">
+  <p:cSld>
+    <p:spTree>
+      <p:nvGrpSpPr>
+        <p:cNvPr id="1" name=""/>
+        <p:cNvGrpSpPr/>
+        <p:nvPr/>
+      </p:nvGrpSpPr>
+      <p:grpSpPr>
+        <a:xfrm>
+          <a:off x="0" y="0"/>
+          <a:ext cx="0" cy="0"/>
+          <a:chOff x="0" y="0"/>
+          <a:chExt cx="0" cy="0"/>
+        </a:xfrm>
+      </p:grpSpPr>
+      <p:sp>
+        <p:nvSpPr>
+          <p:cNvPr id="2" name="제목 1"/>
+          <p:cNvSpPr>
+            <a:spLocks noGrp="1"/>
+          </p:cNvSpPr>
+          <p:nvPr>
+            <p:ph type="title"/>
+          </p:nvPr>
+        </p:nvSpPr>
+        <p:spPr/>
+        <p:txBody>
+          <a:bodyPr/>
+          <a:lstStyle/>
+          <a:p>
+            <a:endParaRPr lang="ko-KR" altLang="en-US"/>
+          </a:p>
+        </p:txBody>
+      </p:sp>
+      <p:sp>
+        <p:nvSpPr>
+          <p:cNvPr id="3" name="내용 개체 틀 2"/>
+          <p:cNvSpPr>
+            <a:spLocks noGrp="1"/>
+          </p:cNvSpPr>
+          <p:nvPr>
+            <p:ph idx="1"/>
+          </p:nvPr>
+        </p:nvSpPr>
+        <p:spPr/>
+        <p:txBody>
+          <a:bodyPr/>
+          <a:lstStyle/>
+          <a:p>
+            <a:endParaRPr lang="ko-KR" altLang="en-US"/>
+          </a:p>
+        </p:txBody>
+      </p:sp>
+      <p:pic>
+        <p:nvPicPr>
+          <p:cNvPr id="4" name="그림 3"/>
+          <p:cNvPicPr>
+            <a:picLocks noChangeAspect="1"/>
+          </p:cNvPicPr>
+          <p:nvPr/>
+        </p:nvPicPr>
+        <p:blipFill>
+          <a:blip r:embed="rId2"/>
+          <a:stretch>
+            <a:fillRect/>
+          </a:stretch>
+        </p:blipFill>
+        <p:spPr>
+          <a:xfrm>
+            <a:off x="0" y="355600"/>
+            <a:ext cx="12192000" cy="6146800"/>
+          </a:xfrm>
+          <a:prstGeom prst="rect">
+            <a:avLst/>
+          </a:prstGeom>
+        </p:spPr>
+      </p:pic>
+      <p:pic>
+        <p:nvPicPr>
+          <p:cNvPr id="5" name="그림 4"/>
+          <p:cNvPicPr>
+            <a:picLocks noChangeAspect="1"/>
+          </p:cNvPicPr>
+          <p:nvPr/>
+        </p:nvPicPr>
+        <p:blipFill>
+          <a:blip r:embed="rId3"/>
+          <a:stretch>
+            <a:fillRect/>
+          </a:stretch>
+        </p:blipFill>
+        <p:spPr>
+          <a:xfrm>
+            <a:off x="7861729" y="150019"/>
+            <a:ext cx="3981450" cy="295275"/>
+          </a:xfrm>
+          <a:prstGeom prst="rect">
+            <a:avLst/>
+          </a:prstGeom>
+        </p:spPr>
+      </p:pic>
+      <p:pic>
+        <p:nvPicPr>
+          <p:cNvPr id="6" name="그림 5"/>
+          <p:cNvPicPr>
+            <a:picLocks noChangeAspect="1"/>
+          </p:cNvPicPr>
+          <p:nvPr/>
+        </p:nvPicPr>
+        <p:blipFill>
+          <a:blip r:embed="rId4"/>
+          <a:stretch>
+            <a:fillRect/>
+          </a:stretch>
+        </p:blipFill>
+        <p:spPr>
+          <a:xfrm>
+            <a:off x="7861729" y="468120"/>
+            <a:ext cx="3981450" cy="1630955"/>
+          </a:xfrm>
+          <a:prstGeom prst="rect">
+            <a:avLst/>
+          </a:prstGeom>
+        </p:spPr>
+      </p:pic>
+      <p:pic>
+        <p:nvPicPr>
+          <p:cNvPr id="7" name="그림 6"/>
+          <p:cNvPicPr>
+            <a:picLocks noChangeAspect="1"/>
+          </p:cNvPicPr>
+          <p:nvPr/>
+        </p:nvPicPr>
+        <p:blipFill>
+          <a:blip r:embed="rId5"/>
+          <a:stretch>
+            <a:fillRect/>
+          </a:stretch>
+        </p:blipFill>
+        <p:spPr>
+          <a:xfrm>
+            <a:off x="2454490" y="3695106"/>
+            <a:ext cx="9144000" cy="885825"/>
+          </a:xfrm>
+          <a:prstGeom prst="rect">
+            <a:avLst/>
+          </a:prstGeom>
+        </p:spPr>
+      </p:pic>
+      <p:pic>
+        <p:nvPicPr>
+          <p:cNvPr id="8" name="그림 7"/>
+          <p:cNvPicPr>
+            <a:picLocks noChangeAspect="1"/>
+          </p:cNvPicPr>
+          <p:nvPr/>
+        </p:nvPicPr>
+        <p:blipFill>
+          <a:blip r:embed="rId6"/>
+          <a:stretch>
+            <a:fillRect/>
+          </a:stretch>
+        </p:blipFill>
+        <p:spPr>
+          <a:xfrm>
+            <a:off x="1822364" y="4586287"/>
+            <a:ext cx="9848850" cy="1590675"/>
+          </a:xfrm>
+          <a:prstGeom prst="rect">
+            <a:avLst/>
+          </a:prstGeom>
+        </p:spPr>
+      </p:pic>
+    </p:spTree>
+    <p:extLst>
+      <p:ext uri="{BB962C8B-B14F-4D97-AF65-F5344CB8AC3E}">
+        <p14:creationId xmlns:p14="http://schemas.microsoft.com/office/powerpoint/2010/main" val="2552420620"/>
+      </p:ext>
+    </p:extLst>
+  </p:cSld>
+  <p:clrMapOvr>
+    <a:masterClrMapping/>
+  </p:clrMapOvr>
+  <p:timing>
+    <p:tnLst>
+      <p:par>
+        <p:cTn id="1" dur="indefinite" restart="never" nodeType="tmRoot">
+          <p:childTnLst>
+            <p:seq concurrent="1" nextAc="seek">
+              <p:cTn id="2" dur="indefinite" nodeType="mainSeq">
+                <p:childTnLst>
+                  <p:par>
+                    <p:cTn id="3" fill="hold">
+                      <p:stCondLst>
+                        <p:cond delay="indefinite"/>
+                      </p:stCondLst>
+                      <p:childTnLst>
+                        <p:par>
+                          <p:cTn id="4" fill="hold">
+                            <p:stCondLst>
+                              <p:cond delay="0"/>
+                            </p:stCondLst>
+                            <p:childTnLst>
+                              <p:par>
+                                <p:cTn id="5" presetID="1" presetClass="entr" presetSubtype="0" fill="hold" nodeType="clickEffect">
+                                  <p:stCondLst>
+                                    <p:cond delay="0"/>
+                                  </p:stCondLst>
+                                  <p:childTnLst>
+                                    <p:set>
+                                      <p:cBhvr>
+                                        <p:cTn id="6" dur="1" fill="hold">
+                                          <p:stCondLst>
+                                            <p:cond delay="0"/>
+                                          </p:stCondLst>
+                                        </p:cTn>
+                                        <p:tgtEl>
+                                          <p:spTgt spid="5"/>
+                                        </p:tgtEl>
+                                        <p:attrNameLst>
+                                          <p:attrName>style.visibility</p:attrName>
+                                        </p:attrNameLst>
+                                      </p:cBhvr>
+                                      <p:to>
+                                        <p:strVal val="visible"/>
+                                      </p:to>
+                                    </p:set>
+                                  </p:childTnLst>
+                                </p:cTn>
+                              </p:par>
+                            </p:childTnLst>
+                          </p:cTn>
+                        </p:par>
+                      </p:childTnLst>
+                    </p:cTn>
+                  </p:par>
+                  <p:par>
+                    <p:cTn id="7" fill="hold">
+                      <p:stCondLst>
+                        <p:cond delay="indefinite"/>
+                      </p:stCondLst>
+                      <p:childTnLst>
+                        <p:par>
+                          <p:cTn id="8" fill="hold">
+                            <p:stCondLst>
+                              <p:cond delay="0"/>
+                            </p:stCondLst>
+                            <p:childTnLst>
+                              <p:par>
+                                <p:cTn id="9" presetID="1" presetClass="entr" presetSubtype="0" fill="hold" nodeType="clickEffect">
+                                  <p:stCondLst>
+                                    <p:cond delay="0"/>
+                                  </p:stCondLst>
+                                  <p:childTnLst>
+                                    <p:set>
+                                      <p:cBhvr>
+                                        <p:cTn id="10" dur="1" fill="hold">
+                                          <p:stCondLst>
+                                            <p:cond delay="0"/>
+                                          </p:stCondLst>
+                                        </p:cTn>
+                                        <p:tgtEl>
+                                          <p:spTgt spid="6"/>
+                                        </p:tgtEl>
+                                        <p:attrNameLst>
+                                          <p:attrName>style.visibility</p:attrName>
+                                        </p:attrNameLst>
+                                      </p:cBhvr>
+                                      <p:to>
+                                        <p:strVal val="visible"/>
+                                      </p:to>
+                                    </p:set>
+                                  </p:childTnLst>
+                                </p:cTn>
+                              </p:par>
+                            </p:childTnLst>
+                          </p:cTn>
+                        </p:par>
+                      </p:childTnLst>
+                    </p:cTn>
+                  </p:par>
+                  <p:par>
+                    <p:cTn id="11" fill="hold">
+                      <p:stCondLst>
+                        <p:cond delay="indefinite"/>
+                      </p:stCondLst>
+                      <p:childTnLst>
+                        <p:par>
+                          <p:cTn id="12" fill="hold">
+                            <p:stCondLst>
+                              <p:cond delay="0"/>
+                            </p:stCondLst>
+                            <p:childTnLst>
+                              <p:par>
+                                <p:cTn id="13" presetID="1" presetClass="entr" presetSubtype="0" fill="hold" nodeType="clickEffect">
+                                  <p:stCondLst>
+                                    <p:cond delay="0"/>
+                                  </p:stCondLst>
+                                  <p:childTnLst>
+                                    <p:set>
+                                      <p:cBhvr>
+                                        <p:cTn id="14" dur="1" fill="hold">
+                                          <p:stCondLst>
+                                            <p:cond delay="0"/>
+                                          </p:stCondLst>
+                                        </p:cTn>
+                                        <p:tgtEl>
+                                          <p:spTgt spid="7"/>
+                                        </p:tgtEl>
+                                        <p:attrNameLst>
+                                          <p:attrName>style.visibility</p:attrName>
+                                        </p:attrNameLst>
+                                      </p:cBhvr>
+                                      <p:to>
+                                        <p:strVal val="visible"/>
+                                      </p:to>
+                                    </p:set>
+                                  </p:childTnLst>
+                                </p:cTn>
+                              </p:par>
+                            </p:childTnLst>
+                          </p:cTn>
+                        </p:par>
+                      </p:childTnLst>
+                    </p:cTn>
+                  </p:par>
+                  <p:par>
+                    <p:cTn id="15" fill="hold">
+                      <p:stCondLst>
+                        <p:cond delay="indefinite"/>
+                      </p:stCondLst>
+                      <p:childTnLst>
+                        <p:par>
+                          <p:cTn id="16" fill="hold">
+                            <p:stCondLst>
+                              <p:cond delay="0"/>
+                            </p:stCondLst>
+                            <p:childTnLst>
+                              <p:par>
+                                <p:cTn id="17" presetID="1" presetClass="entr" presetSubtype="0" fill="hold" nodeType="clickEffect">
+                                  <p:stCondLst>
+                                    <p:cond delay="0"/>
+                                  </p:stCondLst>
+                                  <p:childTnLst>
+                                    <p:set>
+                                      <p:cBhvr>
+                                        <p:cTn id="18" dur="1" fill="hold">
+                                          <p:stCondLst>
+                                            <p:cond delay="0"/>
+                                          </p:stCondLst>
+                                        </p:cTn>
+                                        <p:tgtEl>
+                                          <p:spTgt spid="8"/>
+                                        </p:tgtEl>
+                                        <p:attrNameLst>
+                                          <p:attrName>style.visibility</p:attrName>
+                                        </p:attrNameLst>
+                                      </p:cBhvr>
+                                      <p:to>
+                                        <p:strVal val="visible"/>
+                                      </p:to>
+                                    </p:set>
+                                  </p:childTnLst>
+                                </p:cTn>
+                              </p:par>
+                            </p:childTnLst>
+                          </p:cTn>
+                        </p:par>
+                      </p:childTnLst>
+                    </p:cTn>
+                  </p:par>
+                </p:childTnLst>
+              </p:cTn>
+              <p:prevCondLst>
+                <p:cond evt="onPrev" delay="0">
+                  <p:tgtEl>
+                    <p:sldTgt/>
+                  </p:tgtEl>
+                </p:cond>
+              </p:prevCondLst>
+              <p:nextCondLst>
+                <p:cond evt="onNext" delay="0">
+                  <p:tgtEl>
+                    <p:sldTgt/>
+                  </p:tgtEl>
+                </p:cond>
+              </p:nextCondLst>
+            </p:seq>
+          </p:childTnLst>
+        </p:cTn>
+      </p:par>
+    </p:tnLst>
+  </p:timing>
+</p:sld>
+</file>
+
+<file path=ppt/slides/slide4.xml><?xml version="1.0" encoding="utf-8"?>
+<p:sld xmlns:a="http://schemas.openxmlformats.org/drawingml/2006/main" xmlns:r="http://schemas.openxmlformats.org/officeDocument/2006/relationships" xmlns:p="http://schemas.openxmlformats.org/presentationml/2006/main">
+  <p:cSld>
+    <p:spTree>
+      <p:nvGrpSpPr>
+        <p:cNvPr id="1" name=""/>
+        <p:cNvGrpSpPr/>
+        <p:nvPr/>
+      </p:nvGrpSpPr>
+      <p:grpSpPr>
+        <a:xfrm>
+          <a:off x="0" y="0"/>
+          <a:ext cx="0" cy="0"/>
+          <a:chOff x="0" y="0"/>
+          <a:chExt cx="0" cy="0"/>
+        </a:xfrm>
+      </p:grpSpPr>
+      <p:pic>
+        <p:nvPicPr>
+          <p:cNvPr id="4" name="그림 3"/>
+          <p:cNvPicPr>
+            <a:picLocks noChangeAspect="1"/>
+          </p:cNvPicPr>
+          <p:nvPr/>
+        </p:nvPicPr>
+        <p:blipFill>
+          <a:blip r:embed="rId2"/>
+          <a:stretch>
+            <a:fillRect/>
+          </a:stretch>
+        </p:blipFill>
+        <p:spPr>
+          <a:xfrm>
+            <a:off x="90616" y="122376"/>
+            <a:ext cx="12192000" cy="4883302"/>
+          </a:xfrm>
+          <a:prstGeom prst="rect">
+            <a:avLst/>
+          </a:prstGeom>
+        </p:spPr>
+      </p:pic>
+      <p:pic>
+        <p:nvPicPr>
+          <p:cNvPr id="5" name="그림 4"/>
+          <p:cNvPicPr>
+            <a:picLocks noChangeAspect="1"/>
+          </p:cNvPicPr>
+          <p:nvPr/>
+        </p:nvPicPr>
+        <p:blipFill>
+          <a:blip r:embed="rId3"/>
+          <a:stretch>
+            <a:fillRect/>
+          </a:stretch>
+        </p:blipFill>
+        <p:spPr>
+          <a:xfrm>
+            <a:off x="7142076" y="3184310"/>
+            <a:ext cx="4695825" cy="390525"/>
+          </a:xfrm>
+          <a:prstGeom prst="rect">
+            <a:avLst/>
+          </a:prstGeom>
+        </p:spPr>
+      </p:pic>
+      <p:pic>
+        <p:nvPicPr>
+          <p:cNvPr id="6" name="그림 5"/>
+          <p:cNvPicPr>
+            <a:picLocks noChangeAspect="1"/>
+          </p:cNvPicPr>
+          <p:nvPr/>
+        </p:nvPicPr>
+        <p:blipFill>
+          <a:blip r:embed="rId4"/>
+          <a:stretch>
+            <a:fillRect/>
+          </a:stretch>
+        </p:blipFill>
+        <p:spPr>
+          <a:xfrm>
+            <a:off x="6046701" y="3615638"/>
+            <a:ext cx="5791200" cy="752475"/>
+          </a:xfrm>
+          <a:prstGeom prst="rect">
+            <a:avLst/>
+          </a:prstGeom>
+        </p:spPr>
+      </p:pic>
+      <p:pic>
+        <p:nvPicPr>
+          <p:cNvPr id="8" name="그림 7"/>
+          <p:cNvPicPr>
+            <a:picLocks noChangeAspect="1"/>
+          </p:cNvPicPr>
+          <p:nvPr/>
+        </p:nvPicPr>
+        <p:blipFill>
+          <a:blip r:embed="rId5"/>
+          <a:stretch>
+            <a:fillRect/>
+          </a:stretch>
+        </p:blipFill>
+        <p:spPr>
+          <a:xfrm>
+            <a:off x="5555520" y="4402871"/>
+            <a:ext cx="6282381" cy="921589"/>
+          </a:xfrm>
+          <a:prstGeom prst="rect">
+            <a:avLst/>
+          </a:prstGeom>
+        </p:spPr>
+      </p:pic>
+      <p:pic>
+        <p:nvPicPr>
+          <p:cNvPr id="9" name="그림 8"/>
+          <p:cNvPicPr>
+            <a:picLocks noChangeAspect="1"/>
+          </p:cNvPicPr>
+          <p:nvPr/>
+        </p:nvPicPr>
+        <p:blipFill>
+          <a:blip r:embed="rId6"/>
+          <a:stretch>
+            <a:fillRect/>
+          </a:stretch>
+        </p:blipFill>
+        <p:spPr>
+          <a:xfrm>
+            <a:off x="4153260" y="5359218"/>
+            <a:ext cx="7763415" cy="355981"/>
+          </a:xfrm>
+          <a:prstGeom prst="rect">
+            <a:avLst/>
+          </a:prstGeom>
+        </p:spPr>
+      </p:pic>
+      <p:pic>
+        <p:nvPicPr>
+          <p:cNvPr id="10" name="그림 9"/>
+          <p:cNvPicPr>
+            <a:picLocks noChangeAspect="1"/>
+          </p:cNvPicPr>
+          <p:nvPr/>
+        </p:nvPicPr>
+        <p:blipFill>
+          <a:blip r:embed="rId7"/>
+          <a:stretch>
+            <a:fillRect/>
+          </a:stretch>
+        </p:blipFill>
+        <p:spPr>
+          <a:xfrm>
+            <a:off x="7801875" y="5715199"/>
+            <a:ext cx="4114800" cy="466725"/>
+          </a:xfrm>
+          <a:prstGeom prst="rect">
+            <a:avLst/>
+          </a:prstGeom>
+        </p:spPr>
+      </p:pic>
+      <p:sp>
+        <p:nvSpPr>
+          <p:cNvPr id="12" name="아래쪽 화살표 11"/>
+          <p:cNvSpPr/>
+          <p:nvPr/>
+        </p:nvSpPr>
+        <p:spPr>
+          <a:xfrm rot="6300000">
+            <a:off x="9630675" y="2596339"/>
+            <a:ext cx="457199" cy="508641"/>
+          </a:xfrm>
+          <a:prstGeom prst="downArrow">
+            <a:avLst/>
+          </a:prstGeom>
+          <a:solidFill>
+            <a:srgbClr val="C00000"/>
+          </a:solidFill>
+        </p:spPr>
+        <p:style>
+          <a:lnRef idx="2">
+            <a:schemeClr val="accent1">
+              <a:shade val="50000"/>
+            </a:schemeClr>
+          </a:lnRef>
+          <a:fillRef idx="1">
+            <a:schemeClr val="accent1"/>
+          </a:fillRef>
+          <a:effectRef idx="0">
+            <a:schemeClr val="accent1"/>
+          </a:effectRef>
+          <a:fontRef idx="minor">
+            <a:schemeClr val="lt1"/>
+          </a:fontRef>
+        </p:style>
+        <p:txBody>
+          <a:bodyPr rtlCol="0" anchor="ctr"/>
+          <a:lstStyle/>
+          <a:p>
+            <a:pPr algn="ctr"/>
+            <a:endParaRPr lang="ko-KR" altLang="en-US"/>
+          </a:p>
+        </p:txBody>
+      </p:sp>
+    </p:spTree>
+    <p:extLst>
+      <p:ext uri="{BB962C8B-B14F-4D97-AF65-F5344CB8AC3E}">
+        <p14:creationId xmlns:p14="http://schemas.microsoft.com/office/powerpoint/2010/main" val="1727851579"/>
+      </p:ext>
+    </p:extLst>
+  </p:cSld>
+  <p:clrMapOvr>
+    <a:masterClrMapping/>
+  </p:clrMapOvr>
+  <p:timing>
+    <p:tnLst>
+      <p:par>
+        <p:cTn id="1" dur="indefinite" restart="never" nodeType="tmRoot">
+          <p:childTnLst>
+            <p:seq concurrent="1" nextAc="seek">
+              <p:cTn id="2" dur="indefinite" nodeType="mainSeq">
+                <p:childTnLst>
+                  <p:par>
+                    <p:cTn id="3" fill="hold">
+                      <p:stCondLst>
+                        <p:cond delay="indefinite"/>
+                      </p:stCondLst>
+                      <p:childTnLst>
+                        <p:par>
+                          <p:cTn id="4" fill="hold">
+                            <p:stCondLst>
+                              <p:cond delay="0"/>
+                            </p:stCondLst>
+                            <p:childTnLst>
+                              <p:par>
+                                <p:cTn id="5" presetID="1" presetClass="entr" presetSubtype="0" fill="hold" grpId="0" nodeType="clickEffect">
+                                  <p:stCondLst>
+                                    <p:cond delay="0"/>
+                                  </p:stCondLst>
+                                  <p:childTnLst>
+                                    <p:set>
+                                      <p:cBhvr>
+                                        <p:cTn id="6" dur="1" fill="hold">
+                                          <p:stCondLst>
+                                            <p:cond delay="0"/>
+                                          </p:stCondLst>
+                                        </p:cTn>
+                                        <p:tgtEl>
+                                          <p:spTgt spid="12"/>
+                                        </p:tgtEl>
+                                        <p:attrNameLst>
+                                          <p:attrName>style.visibility</p:attrName>
+                                        </p:attrNameLst>
+                                      </p:cBhvr>
+                                      <p:to>
+                                        <p:strVal val="visible"/>
+                                      </p:to>
+                                    </p:set>
+                                  </p:childTnLst>
+                                </p:cTn>
+                              </p:par>
+                              <p:par>
+                                <p:cTn id="7" presetID="1" presetClass="entr" presetSubtype="0" fill="hold" nodeType="withEffect">
+                                  <p:stCondLst>
+                                    <p:cond delay="0"/>
+                                  </p:stCondLst>
+                                  <p:childTnLst>
+                                    <p:set>
+                                      <p:cBhvr>
+                                        <p:cTn id="8" dur="1" fill="hold">
+                                          <p:stCondLst>
+                                            <p:cond delay="0"/>
+                                          </p:stCondLst>
+                                        </p:cTn>
+                                        <p:tgtEl>
+                                          <p:spTgt spid="5"/>
+                                        </p:tgtEl>
+                                        <p:attrNameLst>
+                                          <p:attrName>style.visibility</p:attrName>
+                                        </p:attrNameLst>
+                                      </p:cBhvr>
+                                      <p:to>
+                                        <p:strVal val="visible"/>
+                                      </p:to>
+                                    </p:set>
+                                  </p:childTnLst>
+                                </p:cTn>
+                              </p:par>
+                              <p:par>
+                                <p:cTn id="9" presetID="1" presetClass="entr" presetSubtype="0" fill="hold" nodeType="withEffect">
+                                  <p:stCondLst>
+                                    <p:cond delay="0"/>
+                                  </p:stCondLst>
+                                  <p:childTnLst>
+                                    <p:set>
+                                      <p:cBhvr>
+                                        <p:cTn id="10" dur="1" fill="hold">
+                                          <p:stCondLst>
+                                            <p:cond delay="0"/>
+                                          </p:stCondLst>
+                                        </p:cTn>
+                                        <p:tgtEl>
+                                          <p:spTgt spid="6"/>
+                                        </p:tgtEl>
+                                        <p:attrNameLst>
+                                          <p:attrName>style.visibility</p:attrName>
+                                        </p:attrNameLst>
+                                      </p:cBhvr>
+                                      <p:to>
+                                        <p:strVal val="visible"/>
+                                      </p:to>
+                                    </p:set>
+                                  </p:childTnLst>
+                                </p:cTn>
+                              </p:par>
+                            </p:childTnLst>
+                          </p:cTn>
+                        </p:par>
+                      </p:childTnLst>
+                    </p:cTn>
+                  </p:par>
+                  <p:par>
+                    <p:cTn id="11" fill="hold">
+                      <p:stCondLst>
+                        <p:cond delay="indefinite"/>
+                      </p:stCondLst>
+                      <p:childTnLst>
+                        <p:par>
+                          <p:cTn id="12" fill="hold">
+                            <p:stCondLst>
+                              <p:cond delay="0"/>
+                            </p:stCondLst>
+                            <p:childTnLst>
+                              <p:par>
+                                <p:cTn id="13" presetID="1" presetClass="entr" presetSubtype="0" fill="hold" nodeType="clickEffect">
+                                  <p:stCondLst>
+                                    <p:cond delay="0"/>
+                                  </p:stCondLst>
+                                  <p:childTnLst>
+                                    <p:set>
+                                      <p:cBhvr>
+                                        <p:cTn id="14" dur="1" fill="hold">
+                                          <p:stCondLst>
+                                            <p:cond delay="0"/>
+                                          </p:stCondLst>
+                                        </p:cTn>
+                                        <p:tgtEl>
+                                          <p:spTgt spid="8"/>
+                                        </p:tgtEl>
+                                        <p:attrNameLst>
+                                          <p:attrName>style.visibility</p:attrName>
+                                        </p:attrNameLst>
+                                      </p:cBhvr>
+                                      <p:to>
+                                        <p:strVal val="visible"/>
+                                      </p:to>
+                                    </p:set>
+                                  </p:childTnLst>
+                                </p:cTn>
+                              </p:par>
+                              <p:par>
+                                <p:cTn id="15" presetID="1" presetClass="entr" presetSubtype="0" fill="hold" nodeType="withEffect">
+                                  <p:stCondLst>
+                                    <p:cond delay="0"/>
+                                  </p:stCondLst>
+                                  <p:childTnLst>
+                                    <p:set>
+                                      <p:cBhvr>
+                                        <p:cTn id="16" dur="1" fill="hold">
+                                          <p:stCondLst>
+                                            <p:cond delay="0"/>
+                                          </p:stCondLst>
+                                        </p:cTn>
+                                        <p:tgtEl>
+                                          <p:spTgt spid="9"/>
+                                        </p:tgtEl>
+                                        <p:attrNameLst>
+                                          <p:attrName>style.visibility</p:attrName>
+                                        </p:attrNameLst>
+                                      </p:cBhvr>
+                                      <p:to>
+                                        <p:strVal val="visible"/>
+                                      </p:to>
+                                    </p:set>
+                                  </p:childTnLst>
+                                </p:cTn>
+                              </p:par>
+                              <p:par>
+                                <p:cTn id="17" presetID="1" presetClass="entr" presetSubtype="0" fill="hold" nodeType="withEffect">
+                                  <p:stCondLst>
+                                    <p:cond delay="0"/>
+                                  </p:stCondLst>
+                                  <p:childTnLst>
+                                    <p:set>
+                                      <p:cBhvr>
+                                        <p:cTn id="18" dur="1" fill="hold">
+                                          <p:stCondLst>
+                                            <p:cond delay="0"/>
+                                          </p:stCondLst>
+                                        </p:cTn>
+                                        <p:tgtEl>
+                                          <p:spTgt spid="10"/>
+                                        </p:tgtEl>
+                                        <p:attrNameLst>
+                                          <p:attrName>style.visibility</p:attrName>
+                                        </p:attrNameLst>
+                                      </p:cBhvr>
+                                      <p:to>
+                                        <p:strVal val="visible"/>
+                                      </p:to>
+                                    </p:set>
+                                  </p:childTnLst>
+                                </p:cTn>
+                              </p:par>
+                            </p:childTnLst>
+                          </p:cTn>
+                        </p:par>
+                      </p:childTnLst>
+                    </p:cTn>
+                  </p:par>
+                </p:childTnLst>
+              </p:cTn>
+              <p:prevCondLst>
+                <p:cond evt="onPrev" delay="0">
+                  <p:tgtEl>
+                    <p:sldTgt/>
+                  </p:tgtEl>
+                </p:cond>
+              </p:prevCondLst>
+              <p:nextCondLst>
+                <p:cond evt="onNext" delay="0">
+                  <p:tgtEl>
+                    <p:sldTgt/>
+                  </p:tgtEl>
+                </p:cond>
+              </p:nextCondLst>
+            </p:seq>
+          </p:childTnLst>
+        </p:cTn>
+      </p:par>
+    </p:tnLst>
+    <p:bldLst>
+      <p:bldP spid="12" grpId="0" animBg="1"/>
+    </p:bldLst>
+  </p:timing>
+</p:sld>
+</file>
+
+<file path=ppt/slides/slide5.xml><?xml version="1.0" encoding="utf-8"?>
+<p:sld xmlns:a="http://schemas.openxmlformats.org/drawingml/2006/main" xmlns:r="http://schemas.openxmlformats.org/officeDocument/2006/relationships" xmlns:p="http://schemas.openxmlformats.org/presentationml/2006/main">
+  <p:cSld>
+    <p:spTree>
+      <p:nvGrpSpPr>
+        <p:cNvPr id="1" name=""/>
+        <p:cNvGrpSpPr/>
+        <p:nvPr/>
+      </p:nvGrpSpPr>
+      <p:grpSpPr>
+        <a:xfrm>
+          <a:off x="0" y="0"/>
+          <a:ext cx="0" cy="0"/>
+          <a:chOff x="0" y="0"/>
+          <a:chExt cx="0" cy="0"/>
+        </a:xfrm>
+      </p:grpSpPr>
+      <p:pic>
+        <p:nvPicPr>
+          <p:cNvPr id="5" name="그림 4"/>
+          <p:cNvPicPr>
+            <a:picLocks noChangeAspect="1"/>
+          </p:cNvPicPr>
+          <p:nvPr/>
+        </p:nvPicPr>
+        <p:blipFill>
+          <a:blip r:embed="rId2"/>
+          <a:stretch>
+            <a:fillRect/>
+          </a:stretch>
+        </p:blipFill>
+        <p:spPr>
+          <a:xfrm>
+            <a:off x="0" y="615461"/>
+            <a:ext cx="12192000" cy="5627077"/>
+          </a:xfrm>
+          <a:prstGeom prst="rect">
+            <a:avLst/>
+          </a:prstGeom>
+        </p:spPr>
+      </p:pic>
+      <p:pic>
+        <p:nvPicPr>
+          <p:cNvPr id="6" name="그림 5"/>
+          <p:cNvPicPr>
+            <a:picLocks noChangeAspect="1"/>
+          </p:cNvPicPr>
+          <p:nvPr/>
+        </p:nvPicPr>
+        <p:blipFill>
+          <a:blip r:embed="rId3"/>
+          <a:stretch>
+            <a:fillRect/>
+          </a:stretch>
+        </p:blipFill>
+        <p:spPr>
+          <a:xfrm>
+            <a:off x="6498752" y="3100773"/>
+            <a:ext cx="5421399" cy="406441"/>
+          </a:xfrm>
+          <a:prstGeom prst="rect">
+            <a:avLst/>
+          </a:prstGeom>
+        </p:spPr>
+      </p:pic>
+      <p:sp>
+        <p:nvSpPr>
+          <p:cNvPr id="7" name="아래쪽 화살표 6"/>
+          <p:cNvSpPr/>
+          <p:nvPr/>
+        </p:nvSpPr>
+        <p:spPr>
+          <a:xfrm>
+            <a:off x="7068065" y="3575222"/>
+            <a:ext cx="840259" cy="856735"/>
+          </a:xfrm>
+          <a:prstGeom prst="downArrow">
+            <a:avLst/>
+          </a:prstGeom>
+          <a:solidFill>
+            <a:srgbClr val="C00000"/>
+          </a:solidFill>
+        </p:spPr>
+        <p:style>
+          <a:lnRef idx="2">
+            <a:schemeClr val="accent1">
+              <a:shade val="50000"/>
+            </a:schemeClr>
+          </a:lnRef>
+          <a:fillRef idx="1">
+            <a:schemeClr val="accent1"/>
+          </a:fillRef>
+          <a:effectRef idx="0">
+            <a:schemeClr val="accent1"/>
+          </a:effectRef>
+          <a:fontRef idx="minor">
+            <a:schemeClr val="lt1"/>
+          </a:fontRef>
+        </p:style>
+        <p:txBody>
+          <a:bodyPr rtlCol="0" anchor="ctr"/>
+          <a:lstStyle/>
+          <a:p>
+            <a:pPr algn="ctr"/>
+            <a:endParaRPr lang="ko-KR" altLang="en-US"/>
+          </a:p>
+        </p:txBody>
+      </p:sp>
+      <p:pic>
+        <p:nvPicPr>
+          <p:cNvPr id="8" name="그림 7"/>
+          <p:cNvPicPr>
+            <a:picLocks noChangeAspect="1"/>
+          </p:cNvPicPr>
+          <p:nvPr/>
+        </p:nvPicPr>
+        <p:blipFill>
+          <a:blip r:embed="rId4"/>
+          <a:stretch>
+            <a:fillRect/>
+          </a:stretch>
+        </p:blipFill>
+        <p:spPr>
+          <a:xfrm>
+            <a:off x="1572777" y="4828606"/>
+            <a:ext cx="5264627" cy="576648"/>
+          </a:xfrm>
+          <a:prstGeom prst="rect">
+            <a:avLst/>
+          </a:prstGeom>
+        </p:spPr>
+      </p:pic>
+      <p:sp>
+        <p:nvSpPr>
+          <p:cNvPr id="9" name="아래쪽 화살표 8"/>
+          <p:cNvSpPr/>
+          <p:nvPr/>
+        </p:nvSpPr>
+        <p:spPr>
+          <a:xfrm rot="19800000">
+            <a:off x="6595285" y="5235028"/>
+            <a:ext cx="457199" cy="508641"/>
+          </a:xfrm>
+          <a:prstGeom prst="downArrow">
+            <a:avLst/>
+          </a:prstGeom>
+          <a:solidFill>
+            <a:srgbClr val="C00000"/>
+          </a:solidFill>
+        </p:spPr>
+        <p:style>
+          <a:lnRef idx="2">
+            <a:schemeClr val="accent1">
+              <a:shade val="50000"/>
+            </a:schemeClr>
+          </a:lnRef>
+          <a:fillRef idx="1">
+            <a:schemeClr val="accent1"/>
+          </a:fillRef>
+          <a:effectRef idx="0">
+            <a:schemeClr val="accent1"/>
+          </a:effectRef>
+          <a:fontRef idx="minor">
+            <a:schemeClr val="lt1"/>
+          </a:fontRef>
+        </p:style>
+        <p:txBody>
+          <a:bodyPr rtlCol="0" anchor="ctr"/>
+          <a:lstStyle/>
+          <a:p>
+            <a:pPr algn="ctr"/>
+            <a:endParaRPr lang="ko-KR" altLang="en-US"/>
+          </a:p>
+        </p:txBody>
+      </p:sp>
+      <p:sp>
+        <p:nvSpPr>
+          <p:cNvPr id="10" name="TextBox 9"/>
+          <p:cNvSpPr txBox="1"/>
+          <p:nvPr/>
+        </p:nvSpPr>
+        <p:spPr>
+          <a:xfrm>
+            <a:off x="7986131" y="5528628"/>
+            <a:ext cx="3616411" cy="923330"/>
+          </a:xfrm>
+          <a:prstGeom prst="rect">
+            <a:avLst/>
+          </a:prstGeom>
+          <a:noFill/>
+        </p:spPr>
+        <p:txBody>
+          <a:bodyPr wrap="square" rtlCol="0">
+            <a:spAutoFit/>
+          </a:bodyPr>
+          <a:lstStyle/>
+          <a:p>
+            <a:r>
+              <a:rPr lang="ko-KR" altLang="en-US" dirty="0" smtClean="0"/>
+              <a:t>후기는 </a:t>
+            </a:r>
+            <a:r>
+              <a:rPr lang="ko-KR" altLang="en-US" dirty="0" err="1" smtClean="0"/>
+              <a:t>렌탈고객만</a:t>
+            </a:r>
+            <a:r>
+              <a:rPr lang="ko-KR" altLang="en-US" dirty="0" smtClean="0"/>
+              <a:t> 작성할 수 있기 때문에 </a:t>
+            </a:r>
+            <a:r>
+              <a:rPr lang="en-US" altLang="ko-KR" dirty="0" smtClean="0"/>
+              <a:t>INSERT</a:t>
+            </a:r>
+            <a:r>
+              <a:rPr lang="ko-KR" altLang="en-US" dirty="0" smtClean="0"/>
+              <a:t>구문 대신 </a:t>
+            </a:r>
+            <a:r>
+              <a:rPr lang="en-US" altLang="ko-KR" dirty="0" smtClean="0"/>
+              <a:t>UPDATE</a:t>
+            </a:r>
+            <a:r>
+              <a:rPr lang="ko-KR" altLang="en-US" dirty="0" smtClean="0"/>
+              <a:t>구문을 이용</a:t>
+            </a:r>
+            <a:endParaRPr lang="ko-KR" altLang="en-US" dirty="0"/>
+          </a:p>
+        </p:txBody>
+      </p:sp>
+    </p:spTree>
+    <p:extLst>
+      <p:ext uri="{BB962C8B-B14F-4D97-AF65-F5344CB8AC3E}">
+        <p14:creationId xmlns:p14="http://schemas.microsoft.com/office/powerpoint/2010/main" val="2120529793"/>
+      </p:ext>
+    </p:extLst>
+  </p:cSld>
+  <p:clrMapOvr>
+    <a:masterClrMapping/>
+  </p:clrMapOvr>
+  <p:timing>
+    <p:tnLst>
+      <p:par>
+        <p:cTn id="1" dur="indefinite" restart="never" nodeType="tmRoot">
+          <p:childTnLst>
+            <p:seq concurrent="1" nextAc="seek">
+              <p:cTn id="2" dur="indefinite" nodeType="mainSeq">
+                <p:childTnLst>
+                  <p:par>
+                    <p:cTn id="3" fill="hold">
+                      <p:stCondLst>
+                        <p:cond delay="indefinite"/>
+                      </p:stCondLst>
+                      <p:childTnLst>
+                        <p:par>
+                          <p:cTn id="4" fill="hold">
+                            <p:stCondLst>
+                              <p:cond delay="0"/>
+                            </p:stCondLst>
+                            <p:childTnLst>
+                              <p:par>
+                                <p:cTn id="5" presetID="1" presetClass="entr" presetSubtype="0" fill="hold" nodeType="clickEffect">
+                                  <p:stCondLst>
+                                    <p:cond delay="0"/>
+                                  </p:stCondLst>
+                                  <p:childTnLst>
+                                    <p:set>
+                                      <p:cBhvr>
+                                        <p:cTn id="6" dur="1" fill="hold">
+                                          <p:stCondLst>
+                                            <p:cond delay="0"/>
+                                          </p:stCondLst>
+                                        </p:cTn>
+                                        <p:tgtEl>
+                                          <p:spTgt spid="6"/>
+                                        </p:tgtEl>
+                                        <p:attrNameLst>
+                                          <p:attrName>style.visibility</p:attrName>
+                                        </p:attrNameLst>
+                                      </p:cBhvr>
+                                      <p:to>
+                                        <p:strVal val="visible"/>
+                                      </p:to>
+                                    </p:set>
+                                  </p:childTnLst>
+                                </p:cTn>
+                              </p:par>
+                              <p:par>
+                                <p:cTn id="7" presetID="1" presetClass="entr" presetSubtype="0" fill="hold" grpId="0" nodeType="withEffect">
+                                  <p:stCondLst>
+                                    <p:cond delay="0"/>
+                                  </p:stCondLst>
+                                  <p:childTnLst>
+                                    <p:set>
+                                      <p:cBhvr>
+                                        <p:cTn id="8" dur="1" fill="hold">
+                                          <p:stCondLst>
+                                            <p:cond delay="0"/>
+                                          </p:stCondLst>
+                                        </p:cTn>
+                                        <p:tgtEl>
+                                          <p:spTgt spid="7"/>
+                                        </p:tgtEl>
+                                        <p:attrNameLst>
+                                          <p:attrName>style.visibility</p:attrName>
+                                        </p:attrNameLst>
+                                      </p:cBhvr>
+                                      <p:to>
+                                        <p:strVal val="visible"/>
+                                      </p:to>
+                                    </p:set>
+                                  </p:childTnLst>
+                                </p:cTn>
+                              </p:par>
+                            </p:childTnLst>
+                          </p:cTn>
+                        </p:par>
+                      </p:childTnLst>
+                    </p:cTn>
+                  </p:par>
+                  <p:par>
+                    <p:cTn id="9" fill="hold">
+                      <p:stCondLst>
+                        <p:cond delay="indefinite"/>
+                      </p:stCondLst>
+                      <p:childTnLst>
+                        <p:par>
+                          <p:cTn id="10" fill="hold">
+                            <p:stCondLst>
+                              <p:cond delay="0"/>
+                            </p:stCondLst>
+                            <p:childTnLst>
+                              <p:par>
+                                <p:cTn id="11" presetID="1" presetClass="entr" presetSubtype="0" fill="hold" nodeType="clickEffect">
+                                  <p:stCondLst>
+                                    <p:cond delay="0"/>
+                                  </p:stCondLst>
+                                  <p:childTnLst>
+                                    <p:set>
+                                      <p:cBhvr>
+                                        <p:cTn id="12" dur="1" fill="hold">
+                                          <p:stCondLst>
+                                            <p:cond delay="0"/>
+                                          </p:stCondLst>
+                                        </p:cTn>
+                                        <p:tgtEl>
+                                          <p:spTgt spid="8"/>
+                                        </p:tgtEl>
+                                        <p:attrNameLst>
+                                          <p:attrName>style.visibility</p:attrName>
+                                        </p:attrNameLst>
+                                      </p:cBhvr>
+                                      <p:to>
+                                        <p:strVal val="visible"/>
+                                      </p:to>
+                                    </p:set>
+                                  </p:childTnLst>
+                                </p:cTn>
+                              </p:par>
+                            </p:childTnLst>
+                          </p:cTn>
+                        </p:par>
+                      </p:childTnLst>
+                    </p:cTn>
+                  </p:par>
+                  <p:par>
+                    <p:cTn id="13" fill="hold">
+                      <p:stCondLst>
+                        <p:cond delay="indefinite"/>
+                      </p:stCondLst>
+                      <p:childTnLst>
+                        <p:par>
+                          <p:cTn id="14" fill="hold">
+                            <p:stCondLst>
+                              <p:cond delay="0"/>
+                            </p:stCondLst>
+                            <p:childTnLst>
+                              <p:par>
+                                <p:cTn id="15" presetID="2" presetClass="entr" presetSubtype="4" fill="hold" grpId="0" nodeType="clickEffect">
+                                  <p:stCondLst>
+                                    <p:cond delay="0"/>
+                                  </p:stCondLst>
+                                  <p:childTnLst>
+                                    <p:set>
+                                      <p:cBhvr>
+                                        <p:cTn id="16" dur="1" fill="hold">
+                                          <p:stCondLst>
+                                            <p:cond delay="0"/>
+                                          </p:stCondLst>
+                                        </p:cTn>
+                                        <p:tgtEl>
+                                          <p:spTgt spid="10"/>
+                                        </p:tgtEl>
+                                        <p:attrNameLst>
+                                          <p:attrName>style.visibility</p:attrName>
+                                        </p:attrNameLst>
+                                      </p:cBhvr>
+                                      <p:to>
+                                        <p:strVal val="visible"/>
+                                      </p:to>
+                                    </p:set>
+                                    <p:anim calcmode="lin" valueType="num">
+                                      <p:cBhvr additive="base">
+                                        <p:cTn id="17" dur="500" fill="hold"/>
+                                        <p:tgtEl>
+                                          <p:spTgt spid="10"/>
+                                        </p:tgtEl>
+                                        <p:attrNameLst>
+                                          <p:attrName>ppt_x</p:attrName>
+                                        </p:attrNameLst>
+                                      </p:cBhvr>
+                                      <p:tavLst>
+                                        <p:tav tm="0">
+                                          <p:val>
+                                            <p:strVal val="#ppt_x"/>
+                                          </p:val>
+                                        </p:tav>
+                                        <p:tav tm="100000">
+                                          <p:val>
+                                            <p:strVal val="#ppt_x"/>
+                                          </p:val>
+                                        </p:tav>
+                                      </p:tavLst>
+                                    </p:anim>
+                                    <p:anim calcmode="lin" valueType="num">
+                                      <p:cBhvr additive="base">
+                                        <p:cTn id="18" dur="500" fill="hold"/>
+                                        <p:tgtEl>
+                                          <p:spTgt spid="10"/>
+                                        </p:tgtEl>
+                                        <p:attrNameLst>
+                                          <p:attrName>ppt_y</p:attrName>
+                                        </p:attrNameLst>
+                                      </p:cBhvr>
+                                      <p:tavLst>
+                                        <p:tav tm="0">
+                                          <p:val>
+                                            <p:strVal val="1+#ppt_h/2"/>
+                                          </p:val>
+                                        </p:tav>
+                                        <p:tav tm="100000">
+                                          <p:val>
+                                            <p:strVal val="#ppt_y"/>
+                                          </p:val>
+                                        </p:tav>
+                                      </p:tavLst>
+                                    </p:anim>
+                                  </p:childTnLst>
+                                </p:cTn>
+                              </p:par>
+                            </p:childTnLst>
+                          </p:cTn>
+                        </p:par>
+                      </p:childTnLst>
+                    </p:cTn>
+                  </p:par>
+                </p:childTnLst>
+              </p:cTn>
+              <p:prevCondLst>
+                <p:cond evt="onPrev" delay="0">
+                  <p:tgtEl>
+                    <p:sldTgt/>
+                  </p:tgtEl>
+                </p:cond>
+              </p:prevCondLst>
+              <p:nextCondLst>
+                <p:cond evt="onNext" delay="0">
+                  <p:tgtEl>
+                    <p:sldTgt/>
+                  </p:tgtEl>
+                </p:cond>
+              </p:nextCondLst>
+            </p:seq>
+          </p:childTnLst>
+        </p:cTn>
+      </p:par>
+    </p:tnLst>
+    <p:bldLst>
+      <p:bldP spid="7" grpId="0" animBg="1"/>
+      <p:bldP spid="10" grpId="0"/>
+    </p:bldLst>
+  </p:timing>
+</p:sld>
+</file>
+
+<file path=ppt/slides/slide6.xml><?xml version="1.0" encoding="utf-8"?>
+<p:sld xmlns:a="http://schemas.openxmlformats.org/drawingml/2006/main" xmlns:r="http://schemas.openxmlformats.org/officeDocument/2006/relationships" xmlns:p="http://schemas.openxmlformats.org/presentationml/2006/main">
+  <p:cSld>
+    <p:spTree>
+      <p:nvGrpSpPr>
+        <p:cNvPr id="1" name=""/>
+        <p:cNvGrpSpPr/>
+        <p:nvPr/>
+      </p:nvGrpSpPr>
+      <p:grpSpPr>
+        <a:xfrm>
+          <a:off x="0" y="0"/>
+          <a:ext cx="0" cy="0"/>
+          <a:chOff x="0" y="0"/>
+          <a:chExt cx="0" cy="0"/>
+        </a:xfrm>
+      </p:grpSpPr>
+      <p:pic>
+        <p:nvPicPr>
+          <p:cNvPr id="4" name="그림 3"/>
+          <p:cNvPicPr>
+            <a:picLocks noChangeAspect="1"/>
+          </p:cNvPicPr>
+          <p:nvPr/>
+        </p:nvPicPr>
+        <p:blipFill>
+          <a:blip r:embed="rId2"/>
+          <a:stretch>
+            <a:fillRect/>
+          </a:stretch>
+        </p:blipFill>
+        <p:spPr>
+          <a:xfrm>
+            <a:off x="2728912" y="1014412"/>
+            <a:ext cx="6734175" cy="4829175"/>
+          </a:xfrm>
+          <a:prstGeom prst="rect">
+            <a:avLst/>
+          </a:prstGeom>
+        </p:spPr>
+      </p:pic>
+      <p:pic>
+        <p:nvPicPr>
+          <p:cNvPr id="5" name="그림 4"/>
+          <p:cNvPicPr>
+            <a:picLocks noChangeAspect="1"/>
+          </p:cNvPicPr>
+          <p:nvPr/>
+        </p:nvPicPr>
+        <p:blipFill>
+          <a:blip r:embed="rId3"/>
+          <a:stretch>
+            <a:fillRect/>
+          </a:stretch>
+        </p:blipFill>
+        <p:spPr>
+          <a:xfrm>
+            <a:off x="7763776" y="687473"/>
+            <a:ext cx="4029075" cy="2352675"/>
+          </a:xfrm>
+          <a:prstGeom prst="rect">
+            <a:avLst/>
+          </a:prstGeom>
+        </p:spPr>
+      </p:pic>
+      <p:pic>
+        <p:nvPicPr>
+          <p:cNvPr id="6" name="그림 5"/>
+          <p:cNvPicPr>
+            <a:picLocks noChangeAspect="1"/>
+          </p:cNvPicPr>
+          <p:nvPr/>
+        </p:nvPicPr>
+        <p:blipFill>
+          <a:blip r:embed="rId4"/>
+          <a:stretch>
+            <a:fillRect/>
+          </a:stretch>
+        </p:blipFill>
+        <p:spPr>
+          <a:xfrm>
+            <a:off x="9463087" y="3910914"/>
+            <a:ext cx="2009775" cy="914400"/>
+          </a:xfrm>
+          <a:prstGeom prst="rect">
+            <a:avLst/>
+          </a:prstGeom>
+        </p:spPr>
+      </p:pic>
+      <p:pic>
+        <p:nvPicPr>
+          <p:cNvPr id="9" name="그림 8"/>
+          <p:cNvPicPr>
+            <a:picLocks noChangeAspect="1"/>
+          </p:cNvPicPr>
+          <p:nvPr/>
+        </p:nvPicPr>
+        <p:blipFill>
+          <a:blip r:embed="rId5"/>
+          <a:stretch>
+            <a:fillRect/>
+          </a:stretch>
+        </p:blipFill>
+        <p:spPr>
+          <a:xfrm>
+            <a:off x="516925" y="3040148"/>
+            <a:ext cx="5401576" cy="799213"/>
+          </a:xfrm>
+          <a:prstGeom prst="rect">
+            <a:avLst/>
+          </a:prstGeom>
+        </p:spPr>
+      </p:pic>
+      <p:pic>
+        <p:nvPicPr>
+          <p:cNvPr id="10" name="그림 9"/>
+          <p:cNvPicPr>
+            <a:picLocks noChangeAspect="1"/>
+          </p:cNvPicPr>
+          <p:nvPr/>
+        </p:nvPicPr>
+        <p:blipFill>
+          <a:blip r:embed="rId6"/>
+          <a:stretch>
+            <a:fillRect/>
+          </a:stretch>
+        </p:blipFill>
+        <p:spPr>
+          <a:xfrm>
+            <a:off x="516925" y="3939489"/>
+            <a:ext cx="6476999" cy="428625"/>
+          </a:xfrm>
+          <a:prstGeom prst="rect">
+            <a:avLst/>
+          </a:prstGeom>
+        </p:spPr>
+      </p:pic>
+      <p:sp>
+        <p:nvSpPr>
+          <p:cNvPr id="11" name="아래쪽 화살표 10"/>
+          <p:cNvSpPr/>
+          <p:nvPr/>
+        </p:nvSpPr>
+        <p:spPr>
+          <a:xfrm rot="19800000">
+            <a:off x="4058031" y="4448341"/>
+            <a:ext cx="457199" cy="508641"/>
+          </a:xfrm>
+          <a:prstGeom prst="downArrow">
+            <a:avLst/>
+          </a:prstGeom>
+          <a:solidFill>
+            <a:srgbClr val="C00000"/>
+          </a:solidFill>
+        </p:spPr>
+        <p:style>
+          <a:lnRef idx="2">
+            <a:schemeClr val="accent1">
+              <a:shade val="50000"/>
+            </a:schemeClr>
+          </a:lnRef>
+          <a:fillRef idx="1">
+            <a:schemeClr val="accent1"/>
+          </a:fillRef>
+          <a:effectRef idx="0">
+            <a:schemeClr val="accent1"/>
+          </a:effectRef>
+          <a:fontRef idx="minor">
+            <a:schemeClr val="lt1"/>
+          </a:fontRef>
+        </p:style>
+        <p:txBody>
+          <a:bodyPr rtlCol="0" anchor="ctr"/>
+          <a:lstStyle/>
+          <a:p>
+            <a:pPr algn="ctr"/>
+            <a:endParaRPr lang="ko-KR" altLang="en-US"/>
+          </a:p>
+        </p:txBody>
+      </p:sp>
+      <p:sp>
+        <p:nvSpPr>
+          <p:cNvPr id="12" name="TextBox 11"/>
+          <p:cNvSpPr txBox="1"/>
+          <p:nvPr/>
+        </p:nvSpPr>
+        <p:spPr>
+          <a:xfrm>
+            <a:off x="6095999" y="3439754"/>
+            <a:ext cx="2817342" cy="369332"/>
+          </a:xfrm>
+          <a:prstGeom prst="rect">
+            <a:avLst/>
+          </a:prstGeom>
+          <a:noFill/>
+        </p:spPr>
+        <p:txBody>
+          <a:bodyPr wrap="square" rtlCol="0">
+            <a:spAutoFit/>
+          </a:bodyPr>
+          <a:lstStyle/>
+          <a:p>
+            <a:r>
+              <a:rPr lang="ko-KR" altLang="en-US" dirty="0" err="1" smtClean="0"/>
+              <a:t>처리중</a:t>
+            </a:r>
+            <a:r>
+              <a:rPr lang="ko-KR" altLang="en-US" dirty="0" smtClean="0"/>
+              <a:t> </a:t>
+            </a:r>
+            <a:r>
+              <a:rPr lang="en-US" altLang="ko-KR" dirty="0" smtClean="0"/>
+              <a:t>– </a:t>
+            </a:r>
+            <a:r>
+              <a:rPr lang="en-US" altLang="ko-KR" dirty="0" err="1" smtClean="0"/>
+              <a:t>defaul</a:t>
+            </a:r>
+            <a:r>
+              <a:rPr lang="ko-KR" altLang="en-US" dirty="0" smtClean="0"/>
+              <a:t>값</a:t>
+            </a:r>
+            <a:r>
+              <a:rPr lang="en-US" altLang="ko-KR" dirty="0" smtClean="0"/>
+              <a:t>.</a:t>
+            </a:r>
+            <a:endParaRPr lang="ko-KR" altLang="en-US" dirty="0"/>
+          </a:p>
+        </p:txBody>
+      </p:sp>
+    </p:spTree>
+    <p:extLst>
+      <p:ext uri="{BB962C8B-B14F-4D97-AF65-F5344CB8AC3E}">
+        <p14:creationId xmlns:p14="http://schemas.microsoft.com/office/powerpoint/2010/main" val="952311136"/>
+      </p:ext>
+    </p:extLst>
+  </p:cSld>
+  <p:clrMapOvr>
+    <a:masterClrMapping/>
+  </p:clrMapOvr>
+  <p:timing>
+    <p:tnLst>
+      <p:par>
+        <p:cTn id="1" dur="indefinite" restart="never" nodeType="tmRoot">
+          <p:childTnLst>
+            <p:seq concurrent="1" nextAc="seek">
+              <p:cTn id="2" dur="indefinite" nodeType="mainSeq">
+                <p:childTnLst>
+                  <p:par>
+                    <p:cTn id="3" fill="hold">
+                      <p:stCondLst>
+                        <p:cond delay="indefinite"/>
+                      </p:stCondLst>
+                      <p:childTnLst>
+                        <p:par>
+                          <p:cTn id="4" fill="hold">
+                            <p:stCondLst>
+                              <p:cond delay="0"/>
+                            </p:stCondLst>
+                            <p:childTnLst>
+                              <p:par>
+                                <p:cTn id="5" presetID="42" presetClass="entr" presetSubtype="0" fill="hold" nodeType="clickEffect">
+                                  <p:stCondLst>
+                                    <p:cond delay="0"/>
+                                  </p:stCondLst>
+                                  <p:childTnLst>
+                                    <p:set>
+                                      <p:cBhvr>
+                                        <p:cTn id="6" dur="1" fill="hold">
+                                          <p:stCondLst>
+                                            <p:cond delay="0"/>
+                                          </p:stCondLst>
+                                        </p:cTn>
+                                        <p:tgtEl>
+                                          <p:spTgt spid="5"/>
+                                        </p:tgtEl>
+                                        <p:attrNameLst>
+                                          <p:attrName>style.visibility</p:attrName>
+                                        </p:attrNameLst>
+                                      </p:cBhvr>
+                                      <p:to>
+                                        <p:strVal val="visible"/>
+                                      </p:to>
+                                    </p:set>
+                                    <p:animEffect transition="in" filter="fade">
+                                      <p:cBhvr>
+                                        <p:cTn id="7" dur="1000"/>
+                                        <p:tgtEl>
+                                          <p:spTgt spid="5"/>
+                                        </p:tgtEl>
+                                      </p:cBhvr>
+                                    </p:animEffect>
+                                    <p:anim calcmode="lin" valueType="num">
+                                      <p:cBhvr>
+                                        <p:cTn id="8" dur="1000" fill="hold"/>
+                                        <p:tgtEl>
+                                          <p:spTgt spid="5"/>
+                                        </p:tgtEl>
+                                        <p:attrNameLst>
+                                          <p:attrName>ppt_x</p:attrName>
+                                        </p:attrNameLst>
+                                      </p:cBhvr>
+                                      <p:tavLst>
+                                        <p:tav tm="0">
+                                          <p:val>
+                                            <p:strVal val="#ppt_x"/>
+                                          </p:val>
+                                        </p:tav>
+                                        <p:tav tm="100000">
+                                          <p:val>
+                                            <p:strVal val="#ppt_x"/>
+                                          </p:val>
+                                        </p:tav>
+                                      </p:tavLst>
+                                    </p:anim>
+                                    <p:anim calcmode="lin" valueType="num">
+                                      <p:cBhvr>
+                                        <p:cTn id="9" dur="1000" fill="hold"/>
+                                        <p:tgtEl>
+                                          <p:spTgt spid="5"/>
+                                        </p:tgtEl>
+                                        <p:attrNameLst>
+                                          <p:attrName>ppt_y</p:attrName>
+                                        </p:attrNameLst>
+                                      </p:cBhvr>
+                                      <p:tavLst>
+                                        <p:tav tm="0">
+                                          <p:val>
+                                            <p:strVal val="#ppt_y+.1"/>
+                                          </p:val>
+                                        </p:tav>
+                                        <p:tav tm="100000">
+                                          <p:val>
+                                            <p:strVal val="#ppt_y"/>
+                                          </p:val>
+                                        </p:tav>
+                                      </p:tavLst>
+                                    </p:anim>
+                                  </p:childTnLst>
+                                </p:cTn>
+                              </p:par>
+                              <p:par>
+                                <p:cTn id="10" presetID="42" presetClass="entr" presetSubtype="0" fill="hold" nodeType="withEffect">
+                                  <p:stCondLst>
+                                    <p:cond delay="0"/>
+                                  </p:stCondLst>
+                                  <p:childTnLst>
+                                    <p:set>
+                                      <p:cBhvr>
+                                        <p:cTn id="11" dur="1" fill="hold">
+                                          <p:stCondLst>
+                                            <p:cond delay="0"/>
+                                          </p:stCondLst>
+                                        </p:cTn>
+                                        <p:tgtEl>
+                                          <p:spTgt spid="6"/>
+                                        </p:tgtEl>
+                                        <p:attrNameLst>
+                                          <p:attrName>style.visibility</p:attrName>
+                                        </p:attrNameLst>
+                                      </p:cBhvr>
+                                      <p:to>
+                                        <p:strVal val="visible"/>
+                                      </p:to>
+                                    </p:set>
+                                    <p:animEffect transition="in" filter="fade">
+                                      <p:cBhvr>
+                                        <p:cTn id="12" dur="1000"/>
+                                        <p:tgtEl>
+                                          <p:spTgt spid="6"/>
+                                        </p:tgtEl>
+                                      </p:cBhvr>
+                                    </p:animEffect>
+                                    <p:anim calcmode="lin" valueType="num">
+                                      <p:cBhvr>
+                                        <p:cTn id="13" dur="1000" fill="hold"/>
+                                        <p:tgtEl>
+                                          <p:spTgt spid="6"/>
+                                        </p:tgtEl>
+                                        <p:attrNameLst>
+                                          <p:attrName>ppt_x</p:attrName>
+                                        </p:attrNameLst>
+                                      </p:cBhvr>
+                                      <p:tavLst>
+                                        <p:tav tm="0">
+                                          <p:val>
+                                            <p:strVal val="#ppt_x"/>
+                                          </p:val>
+                                        </p:tav>
+                                        <p:tav tm="100000">
+                                          <p:val>
+                                            <p:strVal val="#ppt_x"/>
+                                          </p:val>
+                                        </p:tav>
+                                      </p:tavLst>
+                                    </p:anim>
+                                    <p:anim calcmode="lin" valueType="num">
+                                      <p:cBhvr>
+                                        <p:cTn id="14" dur="1000" fill="hold"/>
+                                        <p:tgtEl>
+                                          <p:spTgt spid="6"/>
+                                        </p:tgtEl>
+                                        <p:attrNameLst>
+                                          <p:attrName>ppt_y</p:attrName>
+                                        </p:attrNameLst>
+                                      </p:cBhvr>
+                                      <p:tavLst>
+                                        <p:tav tm="0">
+                                          <p:val>
+                                            <p:strVal val="#ppt_y+.1"/>
+                                          </p:val>
+                                        </p:tav>
+                                        <p:tav tm="100000">
+                                          <p:val>
+                                            <p:strVal val="#ppt_y"/>
+                                          </p:val>
+                                        </p:tav>
+                                      </p:tavLst>
+                                    </p:anim>
+                                  </p:childTnLst>
+                                </p:cTn>
+                              </p:par>
+                            </p:childTnLst>
+                          </p:cTn>
+                        </p:par>
+                      </p:childTnLst>
+                    </p:cTn>
+                  </p:par>
+                  <p:par>
+                    <p:cTn id="15" fill="hold">
+                      <p:stCondLst>
+                        <p:cond delay="indefinite"/>
+                      </p:stCondLst>
+                      <p:childTnLst>
+                        <p:par>
+                          <p:cTn id="16" fill="hold">
+                            <p:stCondLst>
+                              <p:cond delay="0"/>
+                            </p:stCondLst>
+                            <p:childTnLst>
+                              <p:par>
+                                <p:cTn id="17" presetID="31" presetClass="entr" presetSubtype="0" fill="hold" nodeType="clickEffect">
+                                  <p:stCondLst>
+                                    <p:cond delay="0"/>
+                                  </p:stCondLst>
+                                  <p:childTnLst>
+                                    <p:set>
+                                      <p:cBhvr>
+                                        <p:cTn id="18" dur="1" fill="hold">
+                                          <p:stCondLst>
+                                            <p:cond delay="0"/>
+                                          </p:stCondLst>
+                                        </p:cTn>
+                                        <p:tgtEl>
+                                          <p:spTgt spid="9"/>
+                                        </p:tgtEl>
+                                        <p:attrNameLst>
+                                          <p:attrName>style.visibility</p:attrName>
+                                        </p:attrNameLst>
+                                      </p:cBhvr>
+                                      <p:to>
+                                        <p:strVal val="visible"/>
+                                      </p:to>
+                                    </p:set>
+                                    <p:anim calcmode="lin" valueType="num">
+                                      <p:cBhvr>
+                                        <p:cTn id="19" dur="1000" fill="hold"/>
+                                        <p:tgtEl>
+                                          <p:spTgt spid="9"/>
+                                        </p:tgtEl>
+                                        <p:attrNameLst>
+                                          <p:attrName>ppt_w</p:attrName>
+                                        </p:attrNameLst>
+                                      </p:cBhvr>
+                                      <p:tavLst>
+                                        <p:tav tm="0">
+                                          <p:val>
+                                            <p:fltVal val="0"/>
+                                          </p:val>
+                                        </p:tav>
+                                        <p:tav tm="100000">
+                                          <p:val>
+                                            <p:strVal val="#ppt_w"/>
+                                          </p:val>
+                                        </p:tav>
+                                      </p:tavLst>
+                                    </p:anim>
+                                    <p:anim calcmode="lin" valueType="num">
+                                      <p:cBhvr>
+                                        <p:cTn id="20" dur="1000" fill="hold"/>
+                                        <p:tgtEl>
+                                          <p:spTgt spid="9"/>
+                                        </p:tgtEl>
+                                        <p:attrNameLst>
+                                          <p:attrName>ppt_h</p:attrName>
+                                        </p:attrNameLst>
+                                      </p:cBhvr>
+                                      <p:tavLst>
+                                        <p:tav tm="0">
+                                          <p:val>
+                                            <p:fltVal val="0"/>
+                                          </p:val>
+                                        </p:tav>
+                                        <p:tav tm="100000">
+                                          <p:val>
+                                            <p:strVal val="#ppt_h"/>
+                                          </p:val>
+                                        </p:tav>
+                                      </p:tavLst>
+                                    </p:anim>
+                                    <p:anim calcmode="lin" valueType="num">
+                                      <p:cBhvr>
+                                        <p:cTn id="21" dur="1000" fill="hold"/>
+                                        <p:tgtEl>
+                                          <p:spTgt spid="9"/>
+                                        </p:tgtEl>
+                                        <p:attrNameLst>
+                                          <p:attrName>style.rotation</p:attrName>
+                                        </p:attrNameLst>
+                                      </p:cBhvr>
+                                      <p:tavLst>
+                                        <p:tav tm="0">
+                                          <p:val>
+                                            <p:fltVal val="90"/>
+                                          </p:val>
+                                        </p:tav>
+                                        <p:tav tm="100000">
+                                          <p:val>
+                                            <p:fltVal val="0"/>
+                                          </p:val>
+                                        </p:tav>
+                                      </p:tavLst>
+                                    </p:anim>
+                                    <p:animEffect transition="in" filter="fade">
+                                      <p:cBhvr>
+                                        <p:cTn id="22" dur="1000"/>
+                                        <p:tgtEl>
+                                          <p:spTgt spid="9"/>
+                                        </p:tgtEl>
+                                      </p:cBhvr>
+                                    </p:animEffect>
+                                  </p:childTnLst>
+                                </p:cTn>
+                              </p:par>
+                              <p:par>
+                                <p:cTn id="23" presetID="31" presetClass="entr" presetSubtype="0" fill="hold" nodeType="withEffect">
+                                  <p:stCondLst>
+                                    <p:cond delay="0"/>
+                                  </p:stCondLst>
+                                  <p:childTnLst>
+                                    <p:set>
+                                      <p:cBhvr>
+                                        <p:cTn id="24" dur="1" fill="hold">
+                                          <p:stCondLst>
+                                            <p:cond delay="0"/>
+                                          </p:stCondLst>
+                                        </p:cTn>
+                                        <p:tgtEl>
+                                          <p:spTgt spid="10"/>
+                                        </p:tgtEl>
+                                        <p:attrNameLst>
+                                          <p:attrName>style.visibility</p:attrName>
+                                        </p:attrNameLst>
+                                      </p:cBhvr>
+                                      <p:to>
+                                        <p:strVal val="visible"/>
+                                      </p:to>
+                                    </p:set>
+                                    <p:anim calcmode="lin" valueType="num">
+                                      <p:cBhvr>
+                                        <p:cTn id="25" dur="1000" fill="hold"/>
+                                        <p:tgtEl>
+                                          <p:spTgt spid="10"/>
+                                        </p:tgtEl>
+                                        <p:attrNameLst>
+                                          <p:attrName>ppt_w</p:attrName>
+                                        </p:attrNameLst>
+                                      </p:cBhvr>
+                                      <p:tavLst>
+                                        <p:tav tm="0">
+                                          <p:val>
+                                            <p:fltVal val="0"/>
+                                          </p:val>
+                                        </p:tav>
+                                        <p:tav tm="100000">
+                                          <p:val>
+                                            <p:strVal val="#ppt_w"/>
+                                          </p:val>
+                                        </p:tav>
+                                      </p:tavLst>
+                                    </p:anim>
+                                    <p:anim calcmode="lin" valueType="num">
+                                      <p:cBhvr>
+                                        <p:cTn id="26" dur="1000" fill="hold"/>
+                                        <p:tgtEl>
+                                          <p:spTgt spid="10"/>
+                                        </p:tgtEl>
+                                        <p:attrNameLst>
+                                          <p:attrName>ppt_h</p:attrName>
+                                        </p:attrNameLst>
+                                      </p:cBhvr>
+                                      <p:tavLst>
+                                        <p:tav tm="0">
+                                          <p:val>
+                                            <p:fltVal val="0"/>
+                                          </p:val>
+                                        </p:tav>
+                                        <p:tav tm="100000">
+                                          <p:val>
+                                            <p:strVal val="#ppt_h"/>
+                                          </p:val>
+                                        </p:tav>
+                                      </p:tavLst>
+                                    </p:anim>
+                                    <p:anim calcmode="lin" valueType="num">
+                                      <p:cBhvr>
+                                        <p:cTn id="27" dur="1000" fill="hold"/>
+                                        <p:tgtEl>
+                                          <p:spTgt spid="10"/>
+                                        </p:tgtEl>
+                                        <p:attrNameLst>
+                                          <p:attrName>style.rotation</p:attrName>
+                                        </p:attrNameLst>
+                                      </p:cBhvr>
+                                      <p:tavLst>
+                                        <p:tav tm="0">
+                                          <p:val>
+                                            <p:fltVal val="90"/>
+                                          </p:val>
+                                        </p:tav>
+                                        <p:tav tm="100000">
+                                          <p:val>
+                                            <p:fltVal val="0"/>
+                                          </p:val>
+                                        </p:tav>
+                                      </p:tavLst>
+                                    </p:anim>
+                                    <p:animEffect transition="in" filter="fade">
+                                      <p:cBhvr>
+                                        <p:cTn id="28" dur="1000"/>
+                                        <p:tgtEl>
+                                          <p:spTgt spid="10"/>
+                                        </p:tgtEl>
+                                      </p:cBhvr>
+                                    </p:animEffect>
+                                  </p:childTnLst>
+                                </p:cTn>
+                              </p:par>
+                              <p:par>
+                                <p:cTn id="29" presetID="31" presetClass="entr" presetSubtype="0" fill="hold" grpId="0" nodeType="withEffect">
+                                  <p:stCondLst>
+                                    <p:cond delay="0"/>
+                                  </p:stCondLst>
+                                  <p:childTnLst>
+                                    <p:set>
+                                      <p:cBhvr>
+                                        <p:cTn id="30" dur="1" fill="hold">
+                                          <p:stCondLst>
+                                            <p:cond delay="0"/>
+                                          </p:stCondLst>
+                                        </p:cTn>
+                                        <p:tgtEl>
+                                          <p:spTgt spid="11"/>
+                                        </p:tgtEl>
+                                        <p:attrNameLst>
+                                          <p:attrName>style.visibility</p:attrName>
+                                        </p:attrNameLst>
+                                      </p:cBhvr>
+                                      <p:to>
+                                        <p:strVal val="visible"/>
+                                      </p:to>
+                                    </p:set>
+                                    <p:anim calcmode="lin" valueType="num">
+                                      <p:cBhvr>
+                                        <p:cTn id="31" dur="1000" fill="hold"/>
+                                        <p:tgtEl>
+                                          <p:spTgt spid="11"/>
+                                        </p:tgtEl>
+                                        <p:attrNameLst>
+                                          <p:attrName>ppt_w</p:attrName>
+                                        </p:attrNameLst>
+                                      </p:cBhvr>
+                                      <p:tavLst>
+                                        <p:tav tm="0">
+                                          <p:val>
+                                            <p:fltVal val="0"/>
+                                          </p:val>
+                                        </p:tav>
+                                        <p:tav tm="100000">
+                                          <p:val>
+                                            <p:strVal val="#ppt_w"/>
+                                          </p:val>
+                                        </p:tav>
+                                      </p:tavLst>
+                                    </p:anim>
+                                    <p:anim calcmode="lin" valueType="num">
+                                      <p:cBhvr>
+                                        <p:cTn id="32" dur="1000" fill="hold"/>
+                                        <p:tgtEl>
+                                          <p:spTgt spid="11"/>
+                                        </p:tgtEl>
+                                        <p:attrNameLst>
+                                          <p:attrName>ppt_h</p:attrName>
+                                        </p:attrNameLst>
+                                      </p:cBhvr>
+                                      <p:tavLst>
+                                        <p:tav tm="0">
+                                          <p:val>
+                                            <p:fltVal val="0"/>
+                                          </p:val>
+                                        </p:tav>
+                                        <p:tav tm="100000">
+                                          <p:val>
+                                            <p:strVal val="#ppt_h"/>
+                                          </p:val>
+                                        </p:tav>
+                                      </p:tavLst>
+                                    </p:anim>
+                                    <p:anim calcmode="lin" valueType="num">
+                                      <p:cBhvr>
+                                        <p:cTn id="33" dur="1000" fill="hold"/>
+                                        <p:tgtEl>
+                                          <p:spTgt spid="11"/>
+                                        </p:tgtEl>
+                                        <p:attrNameLst>
+                                          <p:attrName>style.rotation</p:attrName>
+                                        </p:attrNameLst>
+                                      </p:cBhvr>
+                                      <p:tavLst>
+                                        <p:tav tm="0">
+                                          <p:val>
+                                            <p:fltVal val="90"/>
+                                          </p:val>
+                                        </p:tav>
+                                        <p:tav tm="100000">
+                                          <p:val>
+                                            <p:fltVal val="0"/>
+                                          </p:val>
+                                        </p:tav>
+                                      </p:tavLst>
+                                    </p:anim>
+                                    <p:animEffect transition="in" filter="fade">
+                                      <p:cBhvr>
+                                        <p:cTn id="34" dur="1000"/>
+                                        <p:tgtEl>
+                                          <p:spTgt spid="11"/>
+                                        </p:tgtEl>
+                                      </p:cBhvr>
+                                    </p:animEffect>
+                                  </p:childTnLst>
+                                </p:cTn>
+                              </p:par>
+                            </p:childTnLst>
+                          </p:cTn>
+                        </p:par>
+                      </p:childTnLst>
+                    </p:cTn>
+                  </p:par>
+                  <p:par>
+                    <p:cTn id="35" fill="hold">
+                      <p:stCondLst>
+                        <p:cond delay="indefinite"/>
+                      </p:stCondLst>
+                      <p:childTnLst>
+                        <p:par>
+                          <p:cTn id="36" fill="hold">
+                            <p:stCondLst>
+                              <p:cond delay="0"/>
+                            </p:stCondLst>
+                            <p:childTnLst>
+                              <p:par>
+                                <p:cTn id="37" presetID="22" presetClass="entr" presetSubtype="4" fill="hold" grpId="0" nodeType="clickEffect">
+                                  <p:stCondLst>
+                                    <p:cond delay="0"/>
+                                  </p:stCondLst>
+                                  <p:childTnLst>
+                                    <p:set>
+                                      <p:cBhvr>
+                                        <p:cTn id="38" dur="1" fill="hold">
+                                          <p:stCondLst>
+                                            <p:cond delay="0"/>
+                                          </p:stCondLst>
+                                        </p:cTn>
+                                        <p:tgtEl>
+                                          <p:spTgt spid="12"/>
+                                        </p:tgtEl>
+                                        <p:attrNameLst>
+                                          <p:attrName>style.visibility</p:attrName>
+                                        </p:attrNameLst>
+                                      </p:cBhvr>
+                                      <p:to>
+                                        <p:strVal val="visible"/>
+                                      </p:to>
+                                    </p:set>
+                                    <p:animEffect transition="in" filter="wipe(down)">
+                                      <p:cBhvr>
+                                        <p:cTn id="39" dur="500"/>
+                                        <p:tgtEl>
+                                          <p:spTgt spid="12"/>
+                                        </p:tgtEl>
+                                      </p:cBhvr>
+                                    </p:animEffect>
+                                  </p:childTnLst>
+                                </p:cTn>
+                              </p:par>
+                            </p:childTnLst>
+                          </p:cTn>
+                        </p:par>
+                      </p:childTnLst>
+                    </p:cTn>
+                  </p:par>
+                </p:childTnLst>
+              </p:cTn>
+              <p:prevCondLst>
+                <p:cond evt="onPrev" delay="0">
+                  <p:tgtEl>
+                    <p:sldTgt/>
+                  </p:tgtEl>
+                </p:cond>
+              </p:prevCondLst>
+              <p:nextCondLst>
+                <p:cond evt="onNext" delay="0">
+                  <p:tgtEl>
+                    <p:sldTgt/>
+                  </p:tgtEl>
+                </p:cond>
+              </p:nextCondLst>
+            </p:seq>
+          </p:childTnLst>
+        </p:cTn>
+      </p:par>
+    </p:tnLst>
+    <p:bldLst>
+      <p:bldP spid="11" grpId="0" animBg="1"/>
+      <p:bldP spid="12" grpId="0"/>
+    </p:bldLst>
+  </p:timing>
+</p:sld>
+</file>
+
+<file path=ppt/slides/slide7.xml><?xml version="1.0" encoding="utf-8"?>
+<p:sld xmlns:a="http://schemas.openxmlformats.org/drawingml/2006/main" xmlns:r="http://schemas.openxmlformats.org/officeDocument/2006/relationships" xmlns:p="http://schemas.openxmlformats.org/presentationml/2006/main">
+  <p:cSld>
+    <p:spTree>
+      <p:nvGrpSpPr>
+        <p:cNvPr id="1" name=""/>
+        <p:cNvGrpSpPr/>
+        <p:nvPr/>
+      </p:nvGrpSpPr>
+      <p:grpSpPr>
+        <a:xfrm>
+          <a:off x="0" y="0"/>
+          <a:ext cx="0" cy="0"/>
+          <a:chOff x="0" y="0"/>
+          <a:chExt cx="0" cy="0"/>
+        </a:xfrm>
+      </p:grpSpPr>
+      <p:pic>
+        <p:nvPicPr>
+          <p:cNvPr id="7" name="그림 6"/>
+          <p:cNvPicPr>
+            <a:picLocks noChangeAspect="1"/>
+          </p:cNvPicPr>
+          <p:nvPr/>
+        </p:nvPicPr>
+        <p:blipFill>
+          <a:blip r:embed="rId2"/>
+          <a:stretch>
+            <a:fillRect/>
+          </a:stretch>
+        </p:blipFill>
+        <p:spPr>
+          <a:xfrm>
+            <a:off x="985579" y="624659"/>
+            <a:ext cx="9858375" cy="4838700"/>
+          </a:xfrm>
+          <a:prstGeom prst="rect">
+            <a:avLst/>
+          </a:prstGeom>
+        </p:spPr>
+      </p:pic>
+      <p:pic>
+        <p:nvPicPr>
+          <p:cNvPr id="5" name="그림 4"/>
+          <p:cNvPicPr>
+            <a:picLocks noChangeAspect="1"/>
+          </p:cNvPicPr>
+          <p:nvPr/>
+        </p:nvPicPr>
+        <p:blipFill>
+          <a:blip r:embed="rId3"/>
+          <a:stretch>
+            <a:fillRect/>
+          </a:stretch>
+        </p:blipFill>
+        <p:spPr>
+          <a:xfrm>
+            <a:off x="7794410" y="1334787"/>
+            <a:ext cx="4102741" cy="3220737"/>
+          </a:xfrm>
+          <a:prstGeom prst="rect">
+            <a:avLst/>
+          </a:prstGeom>
+        </p:spPr>
+      </p:pic>
+      <p:sp>
+        <p:nvSpPr>
+          <p:cNvPr id="6" name="아래쪽 화살표 5"/>
+          <p:cNvSpPr/>
+          <p:nvPr/>
+        </p:nvSpPr>
+        <p:spPr>
+          <a:xfrm>
+            <a:off x="9388581" y="1000779"/>
+            <a:ext cx="457199" cy="508641"/>
+          </a:xfrm>
+          <a:prstGeom prst="downArrow">
+            <a:avLst/>
+          </a:prstGeom>
+          <a:solidFill>
+            <a:srgbClr val="C00000"/>
+          </a:solidFill>
+        </p:spPr>
+        <p:style>
+          <a:lnRef idx="2">
+            <a:schemeClr val="accent1">
+              <a:shade val="50000"/>
+            </a:schemeClr>
+          </a:lnRef>
+          <a:fillRef idx="1">
+            <a:schemeClr val="accent1"/>
+          </a:fillRef>
+          <a:effectRef idx="0">
+            <a:schemeClr val="accent1"/>
+          </a:effectRef>
+          <a:fontRef idx="minor">
+            <a:schemeClr val="lt1"/>
+          </a:fontRef>
+        </p:style>
+        <p:txBody>
+          <a:bodyPr rtlCol="0" anchor="ctr"/>
+          <a:lstStyle/>
+          <a:p>
+            <a:pPr algn="ctr"/>
+            <a:endParaRPr lang="ko-KR" altLang="en-US"/>
+          </a:p>
+        </p:txBody>
+      </p:sp>
+    </p:spTree>
+    <p:extLst>
+      <p:ext uri="{BB962C8B-B14F-4D97-AF65-F5344CB8AC3E}">
+        <p14:creationId xmlns:p14="http://schemas.microsoft.com/office/powerpoint/2010/main" val="1186362905"/>
+      </p:ext>
+    </p:extLst>
+  </p:cSld>
+  <p:clrMapOvr>
+    <a:masterClrMapping/>
+  </p:clrMapOvr>
+  <p:timing>
+    <p:tnLst>
+      <p:par>
+        <p:cTn id="1" dur="indefinite" restart="never" nodeType="tmRoot">
+          <p:childTnLst>
+            <p:seq concurrent="1" nextAc="seek">
+              <p:cTn id="2" dur="indefinite" nodeType="mainSeq">
+                <p:childTnLst>
+                  <p:par>
+                    <p:cTn id="3" fill="hold">
+                      <p:stCondLst>
+                        <p:cond delay="indefinite"/>
+                      </p:stCondLst>
+                      <p:childTnLst>
+                        <p:par>
+                          <p:cTn id="4" fill="hold">
+                            <p:stCondLst>
+                              <p:cond delay="0"/>
+                            </p:stCondLst>
+                            <p:childTnLst>
+                              <p:par>
+                                <p:cTn id="5" presetID="1" presetClass="entr" presetSubtype="0" fill="hold" grpId="0" nodeType="clickEffect">
+                                  <p:stCondLst>
+                                    <p:cond delay="0"/>
+                                  </p:stCondLst>
+                                  <p:childTnLst>
+                                    <p:set>
+                                      <p:cBhvr>
+                                        <p:cTn id="6" dur="1" fill="hold">
+                                          <p:stCondLst>
+                                            <p:cond delay="0"/>
+                                          </p:stCondLst>
+                                        </p:cTn>
+                                        <p:tgtEl>
+                                          <p:spTgt spid="6"/>
+                                        </p:tgtEl>
+                                        <p:attrNameLst>
+                                          <p:attrName>style.visibility</p:attrName>
+                                        </p:attrNameLst>
+                                      </p:cBhvr>
+                                      <p:to>
+                                        <p:strVal val="visible"/>
+                                      </p:to>
+                                    </p:set>
+                                  </p:childTnLst>
+                                </p:cTn>
+                              </p:par>
+                            </p:childTnLst>
+                          </p:cTn>
+                        </p:par>
+                      </p:childTnLst>
+                    </p:cTn>
+                  </p:par>
+                  <p:par>
+                    <p:cTn id="7" fill="hold">
+                      <p:stCondLst>
+                        <p:cond delay="indefinite"/>
+                      </p:stCondLst>
+                      <p:childTnLst>
+                        <p:par>
+                          <p:cTn id="8" fill="hold">
+                            <p:stCondLst>
+                              <p:cond delay="0"/>
+                            </p:stCondLst>
+                            <p:childTnLst>
+                              <p:par>
+                                <p:cTn id="9" presetID="1" presetClass="entr" presetSubtype="0" fill="hold" nodeType="clickEffect">
+                                  <p:stCondLst>
+                                    <p:cond delay="0"/>
+                                  </p:stCondLst>
+                                  <p:childTnLst>
+                                    <p:set>
+                                      <p:cBhvr>
+                                        <p:cTn id="10" dur="1" fill="hold">
+                                          <p:stCondLst>
+                                            <p:cond delay="0"/>
+                                          </p:stCondLst>
+                                        </p:cTn>
+                                        <p:tgtEl>
+                                          <p:spTgt spid="5"/>
+                                        </p:tgtEl>
+                                        <p:attrNameLst>
+                                          <p:attrName>style.visibility</p:attrName>
+                                        </p:attrNameLst>
+                                      </p:cBhvr>
+                                      <p:to>
+                                        <p:strVal val="visible"/>
+                                      </p:to>
+                                    </p:set>
+                                  </p:childTnLst>
+                                </p:cTn>
+                              </p:par>
+                            </p:childTnLst>
+                          </p:cTn>
+                        </p:par>
+                      </p:childTnLst>
+                    </p:cTn>
+                  </p:par>
+                </p:childTnLst>
+              </p:cTn>
+              <p:prevCondLst>
+                <p:cond evt="onPrev" delay="0">
+                  <p:tgtEl>
+                    <p:sldTgt/>
+                  </p:tgtEl>
+                </p:cond>
+              </p:prevCondLst>
+              <p:nextCondLst>
+                <p:cond evt="onNext" delay="0">
+                  <p:tgtEl>
+                    <p:sldTgt/>
+                  </p:tgtEl>
+                </p:cond>
+              </p:nextCondLst>
+            </p:seq>
+          </p:childTnLst>
+        </p:cTn>
+      </p:par>
+    </p:tnLst>
+    <p:bldLst>
+      <p:bldP spid="6" grpId="0" animBg="1"/>
+    </p:bldLst>
+  </p:timing>
+</p:sld>
+</file>
+
+<file path=ppt/slides/slide8.xml><?xml version="1.0" encoding="utf-8"?>
+<p:sld xmlns:a="http://schemas.openxmlformats.org/drawingml/2006/main" xmlns:r="http://schemas.openxmlformats.org/officeDocument/2006/relationships" xmlns:p="http://schemas.openxmlformats.org/presentationml/2006/main">
+  <p:cSld>
+    <p:spTree>
+      <p:nvGrpSpPr>
+        <p:cNvPr id="1" name=""/>
+        <p:cNvGrpSpPr/>
+        <p:nvPr/>
+      </p:nvGrpSpPr>
+      <p:grpSpPr>
+        <a:xfrm>
+          <a:off x="0" y="0"/>
+          <a:ext cx="0" cy="0"/>
+          <a:chOff x="0" y="0"/>
+          <a:chExt cx="0" cy="0"/>
+        </a:xfrm>
+      </p:grpSpPr>
+      <p:pic>
+        <p:nvPicPr>
+          <p:cNvPr id="7" name="그림 6"/>
+          <p:cNvPicPr>
+            <a:picLocks noChangeAspect="1"/>
+          </p:cNvPicPr>
+          <p:nvPr/>
+        </p:nvPicPr>
+        <p:blipFill>
+          <a:blip r:embed="rId2"/>
+          <a:stretch>
+            <a:fillRect/>
+          </a:stretch>
+        </p:blipFill>
+        <p:spPr>
+          <a:xfrm>
+            <a:off x="985579" y="624659"/>
+            <a:ext cx="9858375" cy="4838700"/>
+          </a:xfrm>
+          <a:prstGeom prst="rect">
+            <a:avLst/>
+          </a:prstGeom>
+        </p:spPr>
+      </p:pic>
+      <p:pic>
+        <p:nvPicPr>
+          <p:cNvPr id="2" name="그림 1"/>
+          <p:cNvPicPr>
+            <a:picLocks noChangeAspect="1"/>
+          </p:cNvPicPr>
+          <p:nvPr/>
+        </p:nvPicPr>
+        <p:blipFill>
+          <a:blip r:embed="rId3"/>
+          <a:stretch>
+            <a:fillRect/>
+          </a:stretch>
+        </p:blipFill>
+        <p:spPr>
+          <a:xfrm>
+            <a:off x="1967684" y="966530"/>
+            <a:ext cx="7515225" cy="295275"/>
+          </a:xfrm>
+          <a:prstGeom prst="rect">
+            <a:avLst/>
+          </a:prstGeom>
+        </p:spPr>
+      </p:pic>
+      <p:pic>
+        <p:nvPicPr>
+          <p:cNvPr id="3" name="그림 2"/>
+          <p:cNvPicPr>
+            <a:picLocks noChangeAspect="1"/>
+          </p:cNvPicPr>
+          <p:nvPr/>
+        </p:nvPicPr>
+        <p:blipFill>
+          <a:blip r:embed="rId4"/>
+          <a:stretch>
+            <a:fillRect/>
+          </a:stretch>
+        </p:blipFill>
+        <p:spPr>
+          <a:xfrm>
+            <a:off x="1967684" y="1348431"/>
+            <a:ext cx="3990975" cy="1409700"/>
+          </a:xfrm>
+          <a:prstGeom prst="rect">
+            <a:avLst/>
+          </a:prstGeom>
+        </p:spPr>
+      </p:pic>
+      <p:pic>
+        <p:nvPicPr>
+          <p:cNvPr id="4" name="그림 3"/>
+          <p:cNvPicPr>
+            <a:picLocks noChangeAspect="1"/>
+          </p:cNvPicPr>
+          <p:nvPr/>
+        </p:nvPicPr>
+        <p:blipFill>
+          <a:blip r:embed="rId5"/>
+          <a:stretch>
+            <a:fillRect/>
+          </a:stretch>
+        </p:blipFill>
+        <p:spPr>
+          <a:xfrm>
+            <a:off x="7743050" y="2591571"/>
+            <a:ext cx="3695700" cy="533400"/>
+          </a:xfrm>
+          <a:prstGeom prst="rect">
+            <a:avLst/>
+          </a:prstGeom>
+        </p:spPr>
+      </p:pic>
+      <p:sp>
+        <p:nvSpPr>
+          <p:cNvPr id="8" name="아래쪽 화살표 7"/>
+          <p:cNvSpPr/>
+          <p:nvPr/>
+        </p:nvSpPr>
+        <p:spPr>
+          <a:xfrm rot="16200000">
+            <a:off x="8210569" y="541274"/>
+            <a:ext cx="457199" cy="508641"/>
+          </a:xfrm>
+          <a:prstGeom prst="downArrow">
+            <a:avLst/>
+          </a:prstGeom>
+          <a:solidFill>
+            <a:srgbClr val="C00000"/>
+          </a:solidFill>
+        </p:spPr>
+        <p:style>
+          <a:lnRef idx="2">
+            <a:schemeClr val="accent1">
+              <a:shade val="50000"/>
+            </a:schemeClr>
+          </a:lnRef>
+          <a:fillRef idx="1">
+            <a:schemeClr val="accent1"/>
+          </a:fillRef>
+          <a:effectRef idx="0">
+            <a:schemeClr val="accent1"/>
+          </a:effectRef>
+          <a:fontRef idx="minor">
+            <a:schemeClr val="lt1"/>
+          </a:fontRef>
+        </p:style>
+        <p:txBody>
+          <a:bodyPr rtlCol="0" anchor="ctr"/>
+          <a:lstStyle/>
+          <a:p>
+            <a:pPr algn="ctr"/>
+            <a:endParaRPr lang="ko-KR" altLang="en-US"/>
+          </a:p>
+        </p:txBody>
+      </p:sp>
+      <p:sp>
+        <p:nvSpPr>
+          <p:cNvPr id="9" name="아래쪽 화살표 8"/>
+          <p:cNvSpPr/>
+          <p:nvPr/>
+        </p:nvSpPr>
+        <p:spPr>
+          <a:xfrm>
+            <a:off x="9254309" y="2082930"/>
+            <a:ext cx="457199" cy="508641"/>
+          </a:xfrm>
+          <a:prstGeom prst="downArrow">
+            <a:avLst/>
+          </a:prstGeom>
+          <a:solidFill>
+            <a:srgbClr val="C00000"/>
+          </a:solidFill>
+        </p:spPr>
+        <p:style>
+          <a:lnRef idx="2">
+            <a:schemeClr val="accent1">
+              <a:shade val="50000"/>
+            </a:schemeClr>
+          </a:lnRef>
+          <a:fillRef idx="1">
+            <a:schemeClr val="accent1"/>
+          </a:fillRef>
+          <a:effectRef idx="0">
+            <a:schemeClr val="accent1"/>
+          </a:effectRef>
+          <a:fontRef idx="minor">
+            <a:schemeClr val="lt1"/>
+          </a:fontRef>
+        </p:style>
+        <p:txBody>
+          <a:bodyPr rtlCol="0" anchor="ctr"/>
+          <a:lstStyle/>
+          <a:p>
+            <a:pPr algn="ctr"/>
+            <a:endParaRPr lang="ko-KR" altLang="en-US"/>
+          </a:p>
+        </p:txBody>
+      </p:sp>
+    </p:spTree>
+    <p:extLst>
+      <p:ext uri="{BB962C8B-B14F-4D97-AF65-F5344CB8AC3E}">
+        <p14:creationId xmlns:p14="http://schemas.microsoft.com/office/powerpoint/2010/main" val="260296915"/>
+      </p:ext>
+    </p:extLst>
+  </p:cSld>
+  <p:clrMapOvr>
+    <a:masterClrMapping/>
+  </p:clrMapOvr>
+  <p:timing>
+    <p:tnLst>
+      <p:par>
+        <p:cTn id="1" dur="indefinite" restart="never" nodeType="tmRoot">
+          <p:childTnLst>
+            <p:seq concurrent="1" nextAc="seek">
+              <p:cTn id="2" dur="indefinite" nodeType="mainSeq">
+                <p:childTnLst>
+                  <p:par>
+                    <p:cTn id="3" fill="hold">
+                      <p:stCondLst>
+                        <p:cond delay="indefinite"/>
+                      </p:stCondLst>
+                      <p:childTnLst>
+                        <p:par>
+                          <p:cTn id="4" fill="hold">
+                            <p:stCondLst>
+                              <p:cond delay="0"/>
+                            </p:stCondLst>
+                            <p:childTnLst>
+                              <p:par>
+                                <p:cTn id="5" presetID="6" presetClass="entr" presetSubtype="16" fill="hold" grpId="0" nodeType="clickEffect">
+                                  <p:stCondLst>
+                                    <p:cond delay="0"/>
+                                  </p:stCondLst>
+                                  <p:childTnLst>
+                                    <p:set>
+                                      <p:cBhvr>
+                                        <p:cTn id="6" dur="1" fill="hold">
+                                          <p:stCondLst>
+                                            <p:cond delay="0"/>
+                                          </p:stCondLst>
+                                        </p:cTn>
+                                        <p:tgtEl>
+                                          <p:spTgt spid="8"/>
+                                        </p:tgtEl>
+                                        <p:attrNameLst>
+                                          <p:attrName>style.visibility</p:attrName>
+                                        </p:attrNameLst>
+                                      </p:cBhvr>
+                                      <p:to>
+                                        <p:strVal val="visible"/>
+                                      </p:to>
+                                    </p:set>
+                                    <p:animEffect transition="in" filter="circle(in)">
+                                      <p:cBhvr>
+                                        <p:cTn id="7" dur="2000"/>
+                                        <p:tgtEl>
+                                          <p:spTgt spid="8"/>
+                                        </p:tgtEl>
+                                      </p:cBhvr>
+                                    </p:animEffect>
+                                  </p:childTnLst>
+                                </p:cTn>
+                              </p:par>
+                              <p:par>
+                                <p:cTn id="8" presetID="6" presetClass="entr" presetSubtype="16" fill="hold" nodeType="withEffect">
+                                  <p:stCondLst>
+                                    <p:cond delay="0"/>
+                                  </p:stCondLst>
+                                  <p:childTnLst>
+                                    <p:set>
+                                      <p:cBhvr>
+                                        <p:cTn id="9" dur="1" fill="hold">
+                                          <p:stCondLst>
+                                            <p:cond delay="0"/>
+                                          </p:stCondLst>
+                                        </p:cTn>
+                                        <p:tgtEl>
+                                          <p:spTgt spid="2"/>
+                                        </p:tgtEl>
+                                        <p:attrNameLst>
+                                          <p:attrName>style.visibility</p:attrName>
+                                        </p:attrNameLst>
+                                      </p:cBhvr>
+                                      <p:to>
+                                        <p:strVal val="visible"/>
+                                      </p:to>
+                                    </p:set>
+                                    <p:animEffect transition="in" filter="circle(in)">
+                                      <p:cBhvr>
+                                        <p:cTn id="10" dur="2000"/>
+                                        <p:tgtEl>
+                                          <p:spTgt spid="2"/>
+                                        </p:tgtEl>
+                                      </p:cBhvr>
+                                    </p:animEffect>
+                                  </p:childTnLst>
+                                </p:cTn>
+                              </p:par>
+                              <p:par>
+                                <p:cTn id="11" presetID="6" presetClass="entr" presetSubtype="16" fill="hold" nodeType="withEffect">
+                                  <p:stCondLst>
+                                    <p:cond delay="0"/>
+                                  </p:stCondLst>
+                                  <p:childTnLst>
+                                    <p:set>
+                                      <p:cBhvr>
+                                        <p:cTn id="12" dur="1" fill="hold">
+                                          <p:stCondLst>
+                                            <p:cond delay="0"/>
+                                          </p:stCondLst>
+                                        </p:cTn>
+                                        <p:tgtEl>
+                                          <p:spTgt spid="3"/>
+                                        </p:tgtEl>
+                                        <p:attrNameLst>
+                                          <p:attrName>style.visibility</p:attrName>
+                                        </p:attrNameLst>
+                                      </p:cBhvr>
+                                      <p:to>
+                                        <p:strVal val="visible"/>
+                                      </p:to>
+                                    </p:set>
+                                    <p:animEffect transition="in" filter="circle(in)">
+                                      <p:cBhvr>
+                                        <p:cTn id="13" dur="2000"/>
+                                        <p:tgtEl>
+                                          <p:spTgt spid="3"/>
+                                        </p:tgtEl>
+                                      </p:cBhvr>
+                                    </p:animEffect>
+                                  </p:childTnLst>
+                                </p:cTn>
+                              </p:par>
+                            </p:childTnLst>
+                          </p:cTn>
+                        </p:par>
+                      </p:childTnLst>
+                    </p:cTn>
+                  </p:par>
+                  <p:par>
+                    <p:cTn id="14" fill="hold">
+                      <p:stCondLst>
+                        <p:cond delay="indefinite"/>
+                      </p:stCondLst>
+                      <p:childTnLst>
+                        <p:par>
+                          <p:cTn id="15" fill="hold">
+                            <p:stCondLst>
+                              <p:cond delay="0"/>
+                            </p:stCondLst>
+                            <p:childTnLst>
+                              <p:par>
+                                <p:cTn id="16" presetID="53" presetClass="entr" presetSubtype="16" fill="hold" grpId="0" nodeType="clickEffect">
+                                  <p:stCondLst>
+                                    <p:cond delay="0"/>
+                                  </p:stCondLst>
+                                  <p:childTnLst>
+                                    <p:set>
+                                      <p:cBhvr>
+                                        <p:cTn id="17" dur="1" fill="hold">
+                                          <p:stCondLst>
+                                            <p:cond delay="0"/>
+                                          </p:stCondLst>
+                                        </p:cTn>
+                                        <p:tgtEl>
+                                          <p:spTgt spid="9"/>
+                                        </p:tgtEl>
+                                        <p:attrNameLst>
+                                          <p:attrName>style.visibility</p:attrName>
+                                        </p:attrNameLst>
+                                      </p:cBhvr>
+                                      <p:to>
+                                        <p:strVal val="visible"/>
+                                      </p:to>
+                                    </p:set>
+                                    <p:anim calcmode="lin" valueType="num">
+                                      <p:cBhvr>
+                                        <p:cTn id="18" dur="500" fill="hold"/>
+                                        <p:tgtEl>
+                                          <p:spTgt spid="9"/>
+                                        </p:tgtEl>
+                                        <p:attrNameLst>
+                                          <p:attrName>ppt_w</p:attrName>
+                                        </p:attrNameLst>
+                                      </p:cBhvr>
+                                      <p:tavLst>
+                                        <p:tav tm="0">
+                                          <p:val>
+                                            <p:fltVal val="0"/>
+                                          </p:val>
+                                        </p:tav>
+                                        <p:tav tm="100000">
+                                          <p:val>
+                                            <p:strVal val="#ppt_w"/>
+                                          </p:val>
+                                        </p:tav>
+                                      </p:tavLst>
+                                    </p:anim>
+                                    <p:anim calcmode="lin" valueType="num">
+                                      <p:cBhvr>
+                                        <p:cTn id="19" dur="500" fill="hold"/>
+                                        <p:tgtEl>
+                                          <p:spTgt spid="9"/>
+                                        </p:tgtEl>
+                                        <p:attrNameLst>
+                                          <p:attrName>ppt_h</p:attrName>
+                                        </p:attrNameLst>
+                                      </p:cBhvr>
+                                      <p:tavLst>
+                                        <p:tav tm="0">
+                                          <p:val>
+                                            <p:fltVal val="0"/>
+                                          </p:val>
+                                        </p:tav>
+                                        <p:tav tm="100000">
+                                          <p:val>
+                                            <p:strVal val="#ppt_h"/>
+                                          </p:val>
+                                        </p:tav>
+                                      </p:tavLst>
+                                    </p:anim>
+                                    <p:animEffect transition="in" filter="fade">
+                                      <p:cBhvr>
+                                        <p:cTn id="20" dur="500"/>
+                                        <p:tgtEl>
+                                          <p:spTgt spid="9"/>
+                                        </p:tgtEl>
+                                      </p:cBhvr>
+                                    </p:animEffect>
+                                  </p:childTnLst>
+                                </p:cTn>
+                              </p:par>
+                              <p:par>
+                                <p:cTn id="21" presetID="53" presetClass="entr" presetSubtype="16" fill="hold" nodeType="withEffect">
+                                  <p:stCondLst>
+                                    <p:cond delay="0"/>
+                                  </p:stCondLst>
+                                  <p:childTnLst>
+                                    <p:set>
+                                      <p:cBhvr>
+                                        <p:cTn id="22" dur="1" fill="hold">
+                                          <p:stCondLst>
+                                            <p:cond delay="0"/>
+                                          </p:stCondLst>
+                                        </p:cTn>
+                                        <p:tgtEl>
+                                          <p:spTgt spid="4"/>
+                                        </p:tgtEl>
+                                        <p:attrNameLst>
+                                          <p:attrName>style.visibility</p:attrName>
+                                        </p:attrNameLst>
+                                      </p:cBhvr>
+                                      <p:to>
+                                        <p:strVal val="visible"/>
+                                      </p:to>
+                                    </p:set>
+                                    <p:anim calcmode="lin" valueType="num">
+                                      <p:cBhvr>
+                                        <p:cTn id="23" dur="500" fill="hold"/>
+                                        <p:tgtEl>
+                                          <p:spTgt spid="4"/>
+                                        </p:tgtEl>
+                                        <p:attrNameLst>
+                                          <p:attrName>ppt_w</p:attrName>
+                                        </p:attrNameLst>
+                                      </p:cBhvr>
+                                      <p:tavLst>
+                                        <p:tav tm="0">
+                                          <p:val>
+                                            <p:fltVal val="0"/>
+                                          </p:val>
+                                        </p:tav>
+                                        <p:tav tm="100000">
+                                          <p:val>
+                                            <p:strVal val="#ppt_w"/>
+                                          </p:val>
+                                        </p:tav>
+                                      </p:tavLst>
+                                    </p:anim>
+                                    <p:anim calcmode="lin" valueType="num">
+                                      <p:cBhvr>
+                                        <p:cTn id="24" dur="500" fill="hold"/>
+                                        <p:tgtEl>
+                                          <p:spTgt spid="4"/>
+                                        </p:tgtEl>
+                                        <p:attrNameLst>
+                                          <p:attrName>ppt_h</p:attrName>
+                                        </p:attrNameLst>
+                                      </p:cBhvr>
+                                      <p:tavLst>
+                                        <p:tav tm="0">
+                                          <p:val>
+                                            <p:fltVal val="0"/>
+                                          </p:val>
+                                        </p:tav>
+                                        <p:tav tm="100000">
+                                          <p:val>
+                                            <p:strVal val="#ppt_h"/>
+                                          </p:val>
+                                        </p:tav>
+                                      </p:tavLst>
+                                    </p:anim>
+                                    <p:animEffect transition="in" filter="fade">
+                                      <p:cBhvr>
+                                        <p:cTn id="25" dur="500"/>
+                                        <p:tgtEl>
+                                          <p:spTgt spid="4"/>
+                                        </p:tgtEl>
+                                      </p:cBhvr>
+                                    </p:animEffect>
+                                  </p:childTnLst>
+                                </p:cTn>
+                              </p:par>
+                            </p:childTnLst>
+                          </p:cTn>
+                        </p:par>
+                      </p:childTnLst>
+                    </p:cTn>
+                  </p:par>
+                </p:childTnLst>
+              </p:cTn>
+              <p:prevCondLst>
+                <p:cond evt="onPrev" delay="0">
+                  <p:tgtEl>
+                    <p:sldTgt/>
+                  </p:tgtEl>
+                </p:cond>
+              </p:prevCondLst>
+              <p:nextCondLst>
+                <p:cond evt="onNext" delay="0">
+                  <p:tgtEl>
+                    <p:sldTgt/>
+                  </p:tgtEl>
+                </p:cond>
+              </p:nextCondLst>
+            </p:seq>
+          </p:childTnLst>
+        </p:cTn>
+      </p:par>
+    </p:tnLst>
+    <p:bldLst>
+      <p:bldP spid="8" grpId="0" animBg="1"/>
+      <p:bldP spid="9" grpId="0" animBg="1"/>
+    </p:bldLst>
+  </p:timing>
 </p:sld>
 </file>
 
@@ -3685,7 +9102,7 @@
   <a:extraClrSchemeLst/>
   <a:extLst>
     <a:ext uri="{05A4C25C-085E-4340-85A3-A5531E510DB2}">
-      <thm15:themeFamily xmlns:thm15="http://schemas.microsoft.com/office/thememl/2012/main" xmlns="" name="Office Theme" id="{62F939B6-93AF-4DB8-9C6B-D6C7DFDC589F}" vid="{4A3C46E8-61CC-4603-A589-7422A47A8E4A}"/>
+      <thm15:themeFamily xmlns:thm15="http://schemas.microsoft.com/office/thememl/2012/main" name="Office Theme" id="{62F939B6-93AF-4DB8-9C6B-D6C7DFDC589F}" vid="{4A3C46E8-61CC-4603-A589-7422A47A8E4A}"/>
     </a:ext>
   </a:extLst>
 </a:theme>
@@ -3946,7 +9363,7 @@
   <a:extraClrSchemeLst/>
   <a:extLst>
     <a:ext uri="{05A4C25C-085E-4340-85A3-A5531E510DB2}">
-      <thm15:themeFamily xmlns:thm15="http://schemas.microsoft.com/office/thememl/2012/main" xmlns="" name="Office Theme" id="{62F939B6-93AF-4DB8-9C6B-D6C7DFDC589F}" vid="{4A3C46E8-61CC-4603-A589-7422A47A8E4A}"/>
+      <thm15:themeFamily xmlns:thm15="http://schemas.microsoft.com/office/thememl/2012/main" name="Office Theme" id="{62F939B6-93AF-4DB8-9C6B-D6C7DFDC589F}" vid="{4A3C46E8-61CC-4603-A589-7422A47A8E4A}"/>
     </a:ext>
   </a:extLst>
 </a:theme>
